--- a/Assignments/T11-Monthly _Report.pptx
+++ b/Assignments/T11-Monthly _Report.pptx
@@ -7,6 +7,9 @@
   <p:notesMasterIdLst>
     <p:notesMasterId r:id="rId6"/>
   </p:notesMasterIdLst>
+  <p:handoutMasterIdLst>
+    <p:handoutMasterId r:id="rId7"/>
+  </p:handoutMasterIdLst>
   <p:sldIdLst>
     <p:sldId id="370" r:id="rId2"/>
     <p:sldId id="371" r:id="rId3"/>
@@ -129,6 +132,202 @@
 </p:presentation>
 </file>
 
+<file path=ppt/handoutMasters/handoutMaster1.xml><?xml version="1.0" encoding="utf-8"?>
+<p:handoutMaster xmlns:a="http://schemas.openxmlformats.org/drawingml/2006/main" xmlns:r="http://schemas.openxmlformats.org/officeDocument/2006/relationships" xmlns:p="http://schemas.openxmlformats.org/presentationml/2006/main">
+  <p:cSld>
+    <p:bg>
+      <p:bgRef idx="1001">
+        <a:schemeClr val="bg1"/>
+      </p:bgRef>
+    </p:bg>
+    <p:spTree>
+      <p:nvGrpSpPr>
+        <p:cNvPr id="1" name=""/>
+        <p:cNvGrpSpPr/>
+        <p:nvPr/>
+      </p:nvGrpSpPr>
+      <p:grpSpPr>
+        <a:xfrm>
+          <a:off x="0" y="0"/>
+          <a:ext cx="0" cy="0"/>
+          <a:chOff x="0" y="0"/>
+          <a:chExt cx="0" cy="0"/>
+        </a:xfrm>
+      </p:grpSpPr>
+      <p:sp>
+        <p:nvSpPr>
+          <p:cNvPr id="2" name="Header Placeholder 1">
+            <a:extLst>
+              <a:ext uri="{FF2B5EF4-FFF2-40B4-BE49-F238E27FC236}">
+                <a16:creationId xmlns:a16="http://schemas.microsoft.com/office/drawing/2014/main" id="{9FFCF7FD-325A-4569-B7F7-741E7D9E9644}"/>
+              </a:ext>
+            </a:extLst>
+          </p:cNvPr>
+          <p:cNvSpPr>
+            <a:spLocks noGrp="1"/>
+          </p:cNvSpPr>
+          <p:nvPr>
+            <p:ph type="hdr" sz="quarter"/>
+          </p:nvPr>
+        </p:nvSpPr>
+        <p:spPr>
+          <a:xfrm>
+            <a:off x="0" y="0"/>
+            <a:ext cx="2971800" cy="458788"/>
+          </a:xfrm>
+          <a:prstGeom prst="rect">
+            <a:avLst/>
+          </a:prstGeom>
+        </p:spPr>
+        <p:txBody>
+          <a:bodyPr vert="horz" lIns="91440" tIns="45720" rIns="91440" bIns="45720" rtlCol="0"/>
+          <a:lstStyle>
+            <a:lvl1pPr algn="l">
+              <a:defRPr sz="1200"/>
+            </a:lvl1pPr>
+          </a:lstStyle>
+          <a:p>
+            <a:endParaRPr lang="en-US"/>
+          </a:p>
+          <a:p>
+            <a:endParaRPr lang="en-US"/>
+          </a:p>
+        </p:txBody>
+      </p:sp>
+      <p:sp>
+        <p:nvSpPr>
+          <p:cNvPr id="3" name="Date Placeholder 2">
+            <a:extLst>
+              <a:ext uri="{FF2B5EF4-FFF2-40B4-BE49-F238E27FC236}">
+                <a16:creationId xmlns:a16="http://schemas.microsoft.com/office/drawing/2014/main" id="{0C4E110C-43EC-4423-BB5C-A90554A1F059}"/>
+              </a:ext>
+            </a:extLst>
+          </p:cNvPr>
+          <p:cNvSpPr>
+            <a:spLocks noGrp="1"/>
+          </p:cNvSpPr>
+          <p:nvPr>
+            <p:ph type="dt" sz="quarter" idx="1"/>
+          </p:nvPr>
+        </p:nvSpPr>
+        <p:spPr>
+          <a:xfrm>
+            <a:off x="3884613" y="0"/>
+            <a:ext cx="2971800" cy="458788"/>
+          </a:xfrm>
+          <a:prstGeom prst="rect">
+            <a:avLst/>
+          </a:prstGeom>
+        </p:spPr>
+        <p:txBody>
+          <a:bodyPr vert="horz" lIns="91440" tIns="45720" rIns="91440" bIns="45720" rtlCol="0"/>
+          <a:lstStyle>
+            <a:lvl1pPr algn="r">
+              <a:defRPr sz="1200"/>
+            </a:lvl1pPr>
+          </a:lstStyle>
+          <a:p>
+            <a:fld id="{4F8A51BC-C445-446D-89AB-BCD3F4F4B0F1}" type="datetimeFigureOut">
+              <a:rPr lang="en-US" smtClean="0"/>
+              <a:t>11/6/2019</a:t>
+            </a:fld>
+            <a:endParaRPr lang="en-US"/>
+          </a:p>
+        </p:txBody>
+      </p:sp>
+      <p:sp>
+        <p:nvSpPr>
+          <p:cNvPr id="4" name="Footer Placeholder 3">
+            <a:extLst>
+              <a:ext uri="{FF2B5EF4-FFF2-40B4-BE49-F238E27FC236}">
+                <a16:creationId xmlns:a16="http://schemas.microsoft.com/office/drawing/2014/main" id="{6E867992-DA71-4E7A-B0C6-EF24E08C9690}"/>
+              </a:ext>
+            </a:extLst>
+          </p:cNvPr>
+          <p:cNvSpPr>
+            <a:spLocks noGrp="1"/>
+          </p:cNvSpPr>
+          <p:nvPr>
+            <p:ph type="ftr" sz="quarter" idx="2"/>
+          </p:nvPr>
+        </p:nvSpPr>
+        <p:spPr>
+          <a:xfrm>
+            <a:off x="0" y="8685213"/>
+            <a:ext cx="2971800" cy="458787"/>
+          </a:xfrm>
+          <a:prstGeom prst="rect">
+            <a:avLst/>
+          </a:prstGeom>
+        </p:spPr>
+        <p:txBody>
+          <a:bodyPr vert="horz" lIns="91440" tIns="45720" rIns="91440" bIns="45720" rtlCol="0" anchor="b"/>
+          <a:lstStyle>
+            <a:lvl1pPr algn="l">
+              <a:defRPr sz="1200"/>
+            </a:lvl1pPr>
+          </a:lstStyle>
+          <a:p>
+            <a:endParaRPr lang="en-US"/>
+          </a:p>
+          <a:p>
+            <a:endParaRPr lang="en-US"/>
+          </a:p>
+        </p:txBody>
+      </p:sp>
+      <p:sp>
+        <p:nvSpPr>
+          <p:cNvPr id="5" name="Slide Number Placeholder 4">
+            <a:extLst>
+              <a:ext uri="{FF2B5EF4-FFF2-40B4-BE49-F238E27FC236}">
+                <a16:creationId xmlns:a16="http://schemas.microsoft.com/office/drawing/2014/main" id="{EC600F6E-BF61-4414-AB07-FB92F6E5BCAF}"/>
+              </a:ext>
+            </a:extLst>
+          </p:cNvPr>
+          <p:cNvSpPr>
+            <a:spLocks noGrp="1"/>
+          </p:cNvSpPr>
+          <p:nvPr>
+            <p:ph type="sldNum" sz="quarter" idx="3"/>
+          </p:nvPr>
+        </p:nvSpPr>
+        <p:spPr>
+          <a:xfrm>
+            <a:off x="3884613" y="8685213"/>
+            <a:ext cx="2971800" cy="458787"/>
+          </a:xfrm>
+          <a:prstGeom prst="rect">
+            <a:avLst/>
+          </a:prstGeom>
+        </p:spPr>
+        <p:txBody>
+          <a:bodyPr vert="horz" lIns="91440" tIns="45720" rIns="91440" bIns="45720" rtlCol="0" anchor="b"/>
+          <a:lstStyle>
+            <a:lvl1pPr algn="r">
+              <a:defRPr sz="1200"/>
+            </a:lvl1pPr>
+          </a:lstStyle>
+          <a:p>
+            <a:fld id="{06D85567-F8E4-4568-8E6B-B598FC27B341}" type="slidenum">
+              <a:rPr lang="en-US" smtClean="0"/>
+              <a:t>‹#›</a:t>
+            </a:fld>
+            <a:endParaRPr lang="en-US"/>
+          </a:p>
+        </p:txBody>
+      </p:sp>
+    </p:spTree>
+    <p:extLst>
+      <p:ext uri="{BB962C8B-B14F-4D97-AF65-F5344CB8AC3E}">
+        <p14:creationId xmlns:p14="http://schemas.microsoft.com/office/powerpoint/2010/main" val="895876778"/>
+      </p:ext>
+    </p:extLst>
+  </p:cSld>
+  <p:clrMap bg1="lt1" tx1="dk1" bg2="lt2" tx2="dk2" accent1="accent1" accent2="accent2" accent3="accent3" accent4="accent4" accent5="accent5" accent6="accent6" hlink="hlink" folHlink="folHlink"/>
+  <p:hf dt="0"/>
+</p:handoutMaster>
+</file>
+
 <file path=ppt/notesMasters/notesMaster1.xml><?xml version="1.0" encoding="utf-8"?>
 <p:notesMaster xmlns:a="http://schemas.openxmlformats.org/drawingml/2006/main" xmlns:r="http://schemas.openxmlformats.org/officeDocument/2006/relationships" xmlns:p="http://schemas.openxmlformats.org/presentationml/2006/main">
   <p:cSld>
@@ -180,6 +379,9 @@
           <a:p>
             <a:endParaRPr lang="en-US"/>
           </a:p>
+          <a:p>
+            <a:endParaRPr lang="en-US"/>
+          </a:p>
         </p:txBody>
       </p:sp>
       <p:sp>
@@ -211,7 +413,7 @@
           <a:p>
             <a:fld id="{0AA11918-4594-DE4E-9D50-1A3B5A7A52B7}" type="datetimeFigureOut">
               <a:rPr lang="en-US" smtClean="0"/>
-              <a:t>11/3/2019</a:t>
+              <a:t>11/4/2019</a:t>
             </a:fld>
             <a:endParaRPr lang="en-US"/>
           </a:p>
@@ -338,6 +540,9 @@
           <a:p>
             <a:endParaRPr lang="en-US"/>
           </a:p>
+          <a:p>
+            <a:endParaRPr lang="en-US"/>
+          </a:p>
         </p:txBody>
       </p:sp>
       <p:sp>
@@ -383,6 +588,7 @@
     </p:extLst>
   </p:cSld>
   <p:clrMap bg1="lt1" tx1="dk1" bg2="lt2" tx2="dk2" accent1="accent1" accent2="accent2" accent3="accent3" accent4="accent4" accent5="accent5" accent6="accent6" hlink="hlink" folHlink="folHlink"/>
+  <p:hf dt="0"/>
   <p:notesStyle>
     <a:lvl1pPr marL="0" algn="l" defTabSz="457200" rtl="0" eaLnBrk="1" latinLnBrk="0" hangingPunct="1">
       <a:defRPr sz="1200" kern="1200">
@@ -541,7 +747,7 @@
               <a:defRPr/>
             </a:pPr>
             <a:r>
-              <a:rPr lang="en-US" dirty="0">
+              <a:rPr lang="en-US">
                 <a:solidFill>
                   <a:srgbClr val="116020"/>
                 </a:solidFill>
@@ -587,14 +793,14 @@
           </a:ln>
           <a:extLst>
             <a:ext uri="{909E8E84-426E-40dd-AFC4-6F175D3DCCD1}">
-              <a14:hiddenFill xmlns="" xmlns:a14="http://schemas.microsoft.com/office/drawing/2010/main">
+              <a14:hiddenFill xmlns:a14="http://schemas.microsoft.com/office/drawing/2010/main" xmlns="">
                 <a:solidFill>
                   <a:srgbClr val="FFFFFF"/>
                 </a:solidFill>
               </a14:hiddenFill>
             </a:ext>
             <a:ext uri="{91240B29-F687-4f45-9708-019B960494DF}">
-              <a14:hiddenLine xmlns="" xmlns:a14="http://schemas.microsoft.com/office/drawing/2010/main" w="9525">
+              <a14:hiddenLine xmlns:a14="http://schemas.microsoft.com/office/drawing/2010/main" xmlns="" w="9525">
                 <a:solidFill>
                   <a:srgbClr val="000000"/>
                 </a:solidFill>
@@ -756,9 +962,9 @@
                 <a:latin typeface="Calibri"/>
               </a:rPr>
               <a:pPr/>
-              <a:t>11/3/2019</a:t>
+              <a:t>11/4/2019</a:t>
             </a:fld>
-            <a:endParaRPr lang="en-US" dirty="0">
+            <a:endParaRPr lang="en-US">
               <a:solidFill>
                 <a:prstClr val="black">
                   <a:tint val="75000"/>
@@ -792,7 +998,7 @@
           <a:bodyPr/>
           <a:lstStyle/>
           <a:p>
-            <a:endParaRPr lang="en-US" dirty="0">
+            <a:endParaRPr lang="en-US">
               <a:solidFill>
                 <a:prstClr val="black">
                   <a:tint val="75000"/>
@@ -838,7 +1044,7 @@
               <a:pPr/>
               <a:t>‹#›</a:t>
             </a:fld>
-            <a:endParaRPr lang="en-US" dirty="0">
+            <a:endParaRPr lang="en-US">
               <a:solidFill>
                 <a:prstClr val="black">
                   <a:tint val="75000"/>
@@ -990,7 +1196,7 @@
                 </a:spcAft>
                 <a:defRPr/>
               </a:pPr>
-              <a:t>11/3/2019</a:t>
+              <a:t>11/4/2019</a:t>
             </a:fld>
             <a:endParaRPr lang="en-US">
               <a:solidFill>
@@ -1187,9 +1393,9 @@
                 <a:latin typeface="Calibri"/>
               </a:rPr>
               <a:pPr/>
-              <a:t>11/3/2019</a:t>
+              <a:t>11/4/2019</a:t>
             </a:fld>
-            <a:endParaRPr lang="en-US" dirty="0">
+            <a:endParaRPr lang="en-US">
               <a:solidFill>
                 <a:prstClr val="black">
                   <a:tint val="75000"/>
@@ -1223,7 +1429,7 @@
           <a:bodyPr/>
           <a:lstStyle/>
           <a:p>
-            <a:endParaRPr lang="en-US" dirty="0">
+            <a:endParaRPr lang="en-US">
               <a:solidFill>
                 <a:prstClr val="black">
                   <a:tint val="75000"/>
@@ -1269,7 +1475,7 @@
               <a:pPr/>
               <a:t>‹#›</a:t>
             </a:fld>
-            <a:endParaRPr lang="en-US" dirty="0">
+            <a:endParaRPr lang="en-US">
               <a:solidFill>
                 <a:prstClr val="black">
                   <a:tint val="75000"/>
@@ -1343,9 +1549,9 @@
                 <a:latin typeface="Calibri"/>
               </a:rPr>
               <a:pPr/>
-              <a:t>11/3/2019</a:t>
+              <a:t>11/4/2019</a:t>
             </a:fld>
-            <a:endParaRPr lang="en-US" dirty="0">
+            <a:endParaRPr lang="en-US">
               <a:solidFill>
                 <a:prstClr val="black">
                   <a:tint val="75000"/>
@@ -1379,7 +1585,7 @@
           <a:bodyPr/>
           <a:lstStyle/>
           <a:p>
-            <a:endParaRPr lang="en-US" dirty="0">
+            <a:endParaRPr lang="en-US">
               <a:solidFill>
                 <a:prstClr val="black">
                   <a:tint val="75000"/>
@@ -1425,7 +1631,7 @@
               <a:pPr/>
               <a:t>‹#›</a:t>
             </a:fld>
-            <a:endParaRPr lang="en-US" dirty="0">
+            <a:endParaRPr lang="en-US">
               <a:solidFill>
                 <a:prstClr val="black">
                   <a:tint val="75000"/>
@@ -1514,7 +1720,7 @@
             <a:pPr algn="ctr">
               <a:defRPr/>
             </a:pPr>
-            <a:endParaRPr lang="en-US" dirty="0">
+            <a:endParaRPr lang="en-US">
               <a:solidFill>
                 <a:srgbClr val="116020"/>
               </a:solidFill>
@@ -1547,14 +1753,14 @@
           </a:ln>
           <a:extLst>
             <a:ext uri="{909E8E84-426E-40dd-AFC4-6F175D3DCCD1}">
-              <a14:hiddenFill xmlns="" xmlns:a14="http://schemas.microsoft.com/office/drawing/2010/main">
+              <a14:hiddenFill xmlns:a14="http://schemas.microsoft.com/office/drawing/2010/main" xmlns="">
                 <a:solidFill>
                   <a:srgbClr val="FFFFFF"/>
                 </a:solidFill>
               </a14:hiddenFill>
             </a:ext>
             <a:ext uri="{91240B29-F687-4f45-9708-019B960494DF}">
-              <a14:hiddenLine xmlns="" xmlns:a14="http://schemas.microsoft.com/office/drawing/2010/main" w="9525">
+              <a14:hiddenLine xmlns:a14="http://schemas.microsoft.com/office/drawing/2010/main" xmlns="" w="9525">
                 <a:solidFill>
                   <a:srgbClr val="000000"/>
                 </a:solidFill>
@@ -1564,7 +1770,7 @@
               </a14:hiddenLine>
             </a:ext>
             <a:ext uri="{FAA26D3D-D897-4be2-8F04-BA451C77F1D7}">
-              <ma14:placeholderFlag xmlns="" xmlns:ma14="http://schemas.microsoft.com/office/mac/drawingml/2011/main" val="1"/>
+              <ma14:placeholderFlag xmlns:ma14="http://schemas.microsoft.com/office/mac/drawingml/2011/main" xmlns="" val="1"/>
             </a:ext>
           </a:extLst>
         </p:spPr>
@@ -1578,21 +1784,21 @@
           <a:p>
             <a:pPr lvl="0"/>
             <a:r>
-              <a:rPr lang="en-US" dirty="0"/>
+              <a:rPr lang="en-US"/>
               <a:t>Click to edit Master text styles</a:t>
             </a:r>
           </a:p>
           <a:p>
             <a:pPr lvl="1"/>
             <a:r>
-              <a:rPr lang="en-US" dirty="0"/>
+              <a:rPr lang="en-US"/>
               <a:t>Second level</a:t>
             </a:r>
           </a:p>
           <a:p>
             <a:pPr lvl="2"/>
             <a:r>
-              <a:rPr lang="en-US" dirty="0"/>
+              <a:rPr lang="en-US"/>
               <a:t>Third level</a:t>
             </a:r>
           </a:p>
@@ -1641,7 +1847,7 @@
             <a:pPr algn="ctr">
               <a:defRPr/>
             </a:pPr>
-            <a:endParaRPr lang="en-US" dirty="0">
+            <a:endParaRPr lang="en-US">
               <a:solidFill>
                 <a:srgbClr val="116020"/>
               </a:solidFill>
@@ -1766,7 +1972,7 @@
             <a:pPr algn="r">
               <a:defRPr/>
             </a:pPr>
-            <a:endParaRPr lang="en-US" kern="0" spc="150" dirty="0">
+            <a:endParaRPr lang="en-US" kern="0" spc="150">
               <a:solidFill>
                 <a:srgbClr val="000000"/>
               </a:solidFill>
@@ -1822,7 +2028,7 @@
           <a:lstStyle/>
           <a:p>
             <a:r>
-              <a:rPr lang="en-US" sz="900" b="1" dirty="0">
+              <a:rPr lang="en-US" sz="900" b="1">
                 <a:solidFill>
                   <a:srgbClr val="116020"/>
                 </a:solidFill>
@@ -1831,7 +2037,7 @@
               <a:t>Fall 2018 :</a:t>
             </a:r>
             <a:r>
-              <a:rPr lang="en-US" sz="900" dirty="0">
+              <a:rPr lang="en-US" sz="900">
                 <a:solidFill>
                   <a:srgbClr val="116020"/>
                 </a:solidFill>
@@ -1840,7 +2046,7 @@
               <a:t> </a:t>
             </a:r>
             <a:r>
-              <a:rPr lang="en-US" sz="900" i="1" dirty="0">
+              <a:rPr lang="en-US" sz="900" i="1">
                 <a:solidFill>
                   <a:srgbClr val="116020"/>
                 </a:solidFill>
@@ -1848,7 +2054,7 @@
               </a:rPr>
               <a:t>Senior Design Project</a:t>
             </a:r>
-            <a:endParaRPr lang="en-US" sz="900" dirty="0">
+            <a:endParaRPr lang="en-US" sz="900">
               <a:solidFill>
                 <a:srgbClr val="116020"/>
               </a:solidFill>
@@ -2276,6 +2482,55 @@
       </p:grpSpPr>
       <p:sp>
         <p:nvSpPr>
+          <p:cNvPr id="5" name="Footer Placeholder 4">
+            <a:extLst>
+              <a:ext uri="{FF2B5EF4-FFF2-40B4-BE49-F238E27FC236}">
+                <a16:creationId xmlns:a16="http://schemas.microsoft.com/office/drawing/2014/main" id="{08557F20-2D32-409B-A4A1-7B7186A7F7B5}"/>
+              </a:ext>
+            </a:extLst>
+          </p:cNvPr>
+          <p:cNvSpPr>
+            <a:spLocks noGrp="1"/>
+          </p:cNvSpPr>
+          <p:nvPr>
+            <p:ph type="ftr" sz="quarter" idx="11"/>
+          </p:nvPr>
+        </p:nvSpPr>
+        <p:spPr>
+          <a:xfrm>
+            <a:off x="4479634" y="6160869"/>
+            <a:ext cx="184731" cy="646331"/>
+          </a:xfrm>
+        </p:spPr>
+        <p:txBody>
+          <a:bodyPr wrap="none" anchor="b" anchorCtr="1">
+            <a:spAutoFit/>
+          </a:bodyPr>
+          <a:lstStyle/>
+          <a:p>
+            <a:endParaRPr lang="en-US">
+              <a:solidFill>
+                <a:prstClr val="black">
+                  <a:tint val="75000"/>
+                </a:prstClr>
+              </a:solidFill>
+              <a:latin typeface="Calibri"/>
+            </a:endParaRPr>
+          </a:p>
+          <a:p>
+            <a:endParaRPr lang="en-US">
+              <a:solidFill>
+                <a:prstClr val="black">
+                  <a:tint val="75000"/>
+                </a:prstClr>
+              </a:solidFill>
+              <a:latin typeface="Calibri"/>
+            </a:endParaRPr>
+          </a:p>
+        </p:txBody>
+      </p:sp>
+      <p:sp>
+        <p:nvSpPr>
           <p:cNvPr id="3" name="Content Placeholder 2"/>
           <p:cNvSpPr>
             <a:spLocks noGrp="1"/>
@@ -2296,179 +2551,381 @@
           </a:bodyPr>
           <a:lstStyle/>
           <a:p>
-            <a:pPr marL="0" indent="0">
-              <a:buNone/>
-            </a:pPr>
-            <a:r>
-              <a:rPr lang="en-US" sz="1800" u="sng" dirty="0"/>
+            <a:pPr marL="0" indent="0"/>
+            <a:r>
+              <a:rPr lang="en-US" u="sng">
+                <a:ea typeface="ＭＳ Ｐゴシック"/>
+              </a:rPr>
               <a:t>Project Name:</a:t>
             </a:r>
-          </a:p>
-          <a:p>
-            <a:pPr marL="0" indent="0">
-              <a:buNone/>
-            </a:pPr>
-            <a:r>
-              <a:rPr lang="en-US" sz="1800" u="sng" dirty="0"/>
+            <a:r>
+              <a:rPr lang="en-US">
+                <a:ea typeface="ＭＳ Ｐゴシック"/>
+              </a:rPr>
+              <a:t> </a:t>
+            </a:r>
+            <a:r>
+              <a:rPr lang="en-US" i="1">
+                <a:solidFill>
+                  <a:srgbClr val="0000FF"/>
+                </a:solidFill>
+                <a:ea typeface="ＭＳ Ｐゴシック"/>
+              </a:rPr>
+              <a:t>Windows Packer/Loader</a:t>
+            </a:r>
+          </a:p>
+          <a:p>
+            <a:pPr marL="0" indent="0"/>
+            <a:r>
+              <a:rPr lang="en-US" u="sng">
+                <a:ea typeface="ＭＳ Ｐゴシック"/>
+              </a:rPr>
               <a:t>Team Name:</a:t>
             </a:r>
-          </a:p>
-          <a:p>
-            <a:pPr marL="0" indent="0">
-              <a:buNone/>
-            </a:pPr>
-            <a:r>
-              <a:rPr lang="en-US" sz="1800" u="sng" dirty="0"/>
+            <a:r>
+              <a:rPr lang="en-US">
+                <a:ea typeface="ＭＳ Ｐゴシック"/>
+              </a:rPr>
+              <a:t> </a:t>
+            </a:r>
+            <a:r>
+              <a:rPr lang="en-US" i="1">
+                <a:solidFill>
+                  <a:srgbClr val="0000FF"/>
+                </a:solidFill>
+                <a:ea typeface="ＭＳ Ｐゴシック"/>
+              </a:rPr>
+              <a:t>BluSh3ll</a:t>
+            </a:r>
+          </a:p>
+          <a:p>
+            <a:pPr marL="0" indent="0"/>
+            <a:r>
+              <a:rPr lang="en-US" u="sng">
+                <a:ea typeface="ＭＳ Ｐゴシック"/>
+              </a:rPr>
               <a:t>Deliverables:</a:t>
             </a:r>
-          </a:p>
-          <a:p>
-            <a:pPr marL="0" indent="0">
-              <a:buNone/>
-            </a:pPr>
-            <a:endParaRPr lang="en-US" sz="1800" u="sng" dirty="0"/>
-          </a:p>
-          <a:p>
-            <a:pPr marL="0" indent="0">
-              <a:buNone/>
-            </a:pPr>
-            <a:r>
-              <a:rPr lang="en-US" sz="1800" i="1" dirty="0">
+            <a:r>
+              <a:rPr lang="en-US">
+                <a:ea typeface="ＭＳ Ｐゴシック"/>
+              </a:rPr>
+              <a:t> </a:t>
+            </a:r>
+            <a:endParaRPr lang="en-US"/>
+          </a:p>
+          <a:p>
+            <a:pPr marL="0" lvl="0" indent="0"/>
+            <a:r>
+              <a:rPr lang="en-US" i="1">
                 <a:solidFill>
                   <a:srgbClr val="0000FF"/>
                 </a:solidFill>
               </a:rPr>
-              <a:t>(summarize semester deliverables (i.e. CLINs here) what is being delivered and when are they being delivered) </a:t>
-            </a:r>
-          </a:p>
-          <a:p>
-            <a:pPr marL="0" indent="0">
-              <a:buNone/>
-            </a:pPr>
-            <a:endParaRPr lang="en-US" sz="1800" i="1" u="sng" dirty="0"/>
-          </a:p>
-          <a:p>
-            <a:pPr marL="0" indent="0">
-              <a:buNone/>
-            </a:pPr>
-            <a:r>
-              <a:rPr lang="en-US" sz="1800" u="sng" dirty="0"/>
-              <a:t>Key Accomplishments: </a:t>
-            </a:r>
-          </a:p>
-          <a:p>
-            <a:pPr marL="0" indent="0">
-              <a:buNone/>
-            </a:pPr>
-            <a:endParaRPr lang="en-US" sz="1800" u="sng" dirty="0"/>
-          </a:p>
-          <a:p>
-            <a:pPr marL="0" indent="0">
-              <a:buNone/>
-            </a:pPr>
-            <a:r>
-              <a:rPr lang="en-US" sz="1800" dirty="0">
+              <a:t>CLIN-1 	Customer Reporting “Quad -Pack” - </a:t>
+            </a:r>
+            <a:r>
+              <a:rPr lang="en-US" i="1">
+                <a:solidFill>
+                  <a:srgbClr val="000000"/>
+                </a:solidFill>
+              </a:rPr>
+              <a:t>?</a:t>
+            </a:r>
+          </a:p>
+          <a:p>
+            <a:pPr marL="0" lvl="0" indent="0"/>
+            <a:r>
+              <a:rPr lang="en-US" i="1">
                 <a:solidFill>
                   <a:srgbClr val="0000FF"/>
                 </a:solidFill>
               </a:rPr>
-              <a:t>(summarize key accomplishments from last reporting period)</a:t>
+              <a:t>CLIN-2 	Weekly Activity/Time Sheet – </a:t>
+            </a:r>
+            <a:r>
+              <a:rPr lang="en-US" i="1">
+                <a:solidFill>
+                  <a:srgbClr val="000000"/>
+                </a:solidFill>
+              </a:rPr>
+              <a:t>Due every Friday </a:t>
+            </a:r>
+          </a:p>
+          <a:p>
+            <a:pPr marL="0" lvl="0" indent="0"/>
+            <a:r>
+              <a:rPr lang="en-US" i="1">
+                <a:solidFill>
+                  <a:srgbClr val="0000FF"/>
+                </a:solidFill>
+              </a:rPr>
+              <a:t>CLIN-3 	Color Team Briefing – </a:t>
+            </a:r>
+            <a:r>
+              <a:rPr lang="en-US" i="1">
+                <a:solidFill>
+                  <a:srgbClr val="000000"/>
+                </a:solidFill>
+              </a:rPr>
+              <a:t>9/22/19</a:t>
+            </a:r>
+          </a:p>
+          <a:p>
+            <a:pPr marL="0" lvl="0" indent="0"/>
+            <a:r>
+              <a:rPr lang="en-US" i="1">
+                <a:solidFill>
+                  <a:srgbClr val="0000FF"/>
+                </a:solidFill>
+              </a:rPr>
+              <a:t>CLIN-4 	Proposal – </a:t>
+            </a:r>
+            <a:r>
+              <a:rPr lang="en-US" i="1">
+                <a:solidFill>
+                  <a:srgbClr val="000000"/>
+                </a:solidFill>
+              </a:rPr>
+              <a:t>10/18/19</a:t>
+            </a:r>
+          </a:p>
+          <a:p>
+            <a:pPr marL="0" lvl="0" indent="0"/>
+            <a:r>
+              <a:rPr lang="en-US" i="1">
+                <a:solidFill>
+                  <a:srgbClr val="0000FF"/>
+                </a:solidFill>
+              </a:rPr>
+              <a:t>CLIN-5 	Design Review Briefing </a:t>
+            </a:r>
+            <a:r>
+              <a:rPr lang="en-US" i="1">
+                <a:solidFill>
+                  <a:srgbClr val="000000"/>
+                </a:solidFill>
+              </a:rPr>
+              <a:t>– 12/1/19</a:t>
+            </a:r>
+          </a:p>
+          <a:p>
+            <a:pPr marL="0" lvl="0" indent="0"/>
+            <a:r>
+              <a:rPr lang="en-US" i="1">
+                <a:solidFill>
+                  <a:srgbClr val="0000FF"/>
+                </a:solidFill>
+              </a:rPr>
+              <a:t>CLIN-6 	Poster Paper – </a:t>
+            </a:r>
+            <a:r>
+              <a:rPr lang="en-US" i="1">
+                <a:solidFill>
+                  <a:srgbClr val="000000"/>
+                </a:solidFill>
+              </a:rPr>
+              <a:t>Next Semester</a:t>
+            </a:r>
+          </a:p>
+          <a:p>
+            <a:pPr marL="0" lvl="0" indent="0"/>
+            <a:r>
+              <a:rPr lang="en-US" i="1">
+                <a:solidFill>
+                  <a:srgbClr val="0000FF"/>
+                </a:solidFill>
+              </a:rPr>
+              <a:t>CLIN-7 	Encryption and Compression Design and Techniques Report – </a:t>
+            </a:r>
+            <a:r>
+              <a:rPr lang="en-US" i="1">
+                <a:solidFill>
+                  <a:srgbClr val="000000"/>
+                </a:solidFill>
+              </a:rPr>
+              <a:t>Next Semester</a:t>
+            </a:r>
+          </a:p>
+          <a:p>
+            <a:pPr marL="0" lvl="0" indent="0"/>
+            <a:r>
+              <a:rPr lang="en-US" i="1">
+                <a:solidFill>
+                  <a:srgbClr val="0000FF"/>
+                </a:solidFill>
+              </a:rPr>
+              <a:t>CLIN-8 	Final Report and Team Presentation –</a:t>
+            </a:r>
+            <a:r>
+              <a:rPr lang="en-US" i="1">
+                <a:solidFill>
+                  <a:srgbClr val="000000"/>
+                </a:solidFill>
+              </a:rPr>
+              <a:t> End of Next Semester</a:t>
+            </a:r>
+          </a:p>
+          <a:p>
+            <a:pPr marL="0" lvl="0" indent="0"/>
+            <a:r>
+              <a:rPr lang="en-US" i="1">
+                <a:solidFill>
+                  <a:srgbClr val="0000FF"/>
+                </a:solidFill>
+              </a:rPr>
+              <a:t>CLIN-9 	Product Specifications - </a:t>
+            </a:r>
+            <a:r>
+              <a:rPr lang="en-US" i="1">
+                <a:solidFill>
+                  <a:srgbClr val="000000"/>
+                </a:solidFill>
+              </a:rPr>
+              <a:t>?</a:t>
+            </a:r>
+          </a:p>
+          <a:p>
+            <a:pPr marL="0" lvl="0" indent="0"/>
+            <a:r>
+              <a:rPr lang="en-US" i="1">
+                <a:solidFill>
+                  <a:srgbClr val="0000FF"/>
+                </a:solidFill>
+              </a:rPr>
+              <a:t>CLIN-10 	Packer/Loader Source Code and Completed/Compiled Tool – </a:t>
+            </a:r>
+            <a:r>
+              <a:rPr lang="en-US" i="1">
+                <a:solidFill>
+                  <a:srgbClr val="000000"/>
+                </a:solidFill>
+              </a:rPr>
+              <a:t>Week 20</a:t>
             </a:r>
           </a:p>
           <a:p>
             <a:pPr marL="0" indent="0">
               <a:buNone/>
             </a:pPr>
-            <a:endParaRPr lang="en-US" sz="1800" u="sng" dirty="0">
+            <a:r>
+              <a:rPr lang="en-US" u="sng"/>
+              <a:t>Key Accomplishments:</a:t>
+            </a:r>
+          </a:p>
+          <a:p>
+            <a:pPr marL="0" indent="0">
+              <a:buNone/>
+            </a:pPr>
+            <a:r>
+              <a:rPr lang="en-US" i="1">
+                <a:solidFill>
+                  <a:srgbClr val="0000FF"/>
+                </a:solidFill>
+              </a:rPr>
+              <a:t>Set up and began initial development using .NET 3.5 and its namespaces in </a:t>
+            </a:r>
+            <a:r>
+              <a:rPr lang="en-US" i="1" err="1">
+                <a:solidFill>
+                  <a:srgbClr val="0000FF"/>
+                </a:solidFill>
+              </a:rPr>
+              <a:t>VisualStudio</a:t>
+            </a:r>
+            <a:r>
+              <a:rPr lang="en-US" i="1">
+                <a:solidFill>
+                  <a:srgbClr val="0000FF"/>
+                </a:solidFill>
+              </a:rPr>
+              <a:t> synced to </a:t>
+            </a:r>
+            <a:r>
+              <a:rPr lang="en-US" i="1" err="1">
+                <a:solidFill>
+                  <a:srgbClr val="0000FF"/>
+                </a:solidFill>
+              </a:rPr>
+              <a:t>Github</a:t>
+            </a:r>
+            <a:r>
+              <a:rPr lang="en-US" i="1">
+                <a:solidFill>
+                  <a:srgbClr val="0000FF"/>
+                </a:solidFill>
+              </a:rPr>
+              <a:t> repo.</a:t>
+            </a:r>
+            <a:endParaRPr lang="en-US"/>
+          </a:p>
+          <a:p>
+            <a:pPr marL="0" indent="0">
+              <a:buNone/>
+            </a:pPr>
+            <a:r>
+              <a:rPr lang="en-US" u="sng"/>
+              <a:t>Issues:</a:t>
+            </a:r>
+            <a:endParaRPr lang="en-US"/>
+          </a:p>
+          <a:p>
+            <a:pPr marL="0" indent="0">
+              <a:buNone/>
+            </a:pPr>
+            <a:r>
+              <a:rPr lang="en-US">
+                <a:solidFill>
+                  <a:srgbClr val="0000FF"/>
+                </a:solidFill>
+              </a:rPr>
+              <a:t>Initial delay in contacting costumer, finding ample time to meet around other exams and projects, 1 missed bi-weekly call with SME,  late submissions for week 10</a:t>
+            </a:r>
+          </a:p>
+          <a:p>
+            <a:pPr marL="0" indent="0">
+              <a:buNone/>
+            </a:pPr>
+            <a:r>
+              <a:rPr lang="en-US" u="sng"/>
+              <a:t>Schedule Status: </a:t>
+            </a:r>
+            <a:r>
+              <a:rPr lang="en-US">
+                <a:solidFill>
+                  <a:srgbClr val="0000FF"/>
+                </a:solidFill>
+              </a:rPr>
+              <a:t>On Schedule</a:t>
+            </a:r>
+            <a:endParaRPr lang="en-US" i="1">
               <a:solidFill>
                 <a:srgbClr val="0000FF"/>
               </a:solidFill>
             </a:endParaRPr>
           </a:p>
           <a:p>
-            <a:pPr marL="0" indent="0">
-              <a:buNone/>
-            </a:pPr>
-            <a:endParaRPr lang="en-US" sz="1800" u="sng" dirty="0">
-              <a:solidFill>
-                <a:srgbClr val="0000FF"/>
-              </a:solidFill>
-            </a:endParaRPr>
-          </a:p>
-          <a:p>
-            <a:pPr marL="0" indent="0">
-              <a:buNone/>
-            </a:pPr>
-            <a:r>
-              <a:rPr lang="en-US" sz="1800" u="sng" dirty="0"/>
-              <a:t>Issues:</a:t>
-            </a:r>
-            <a:r>
-              <a:rPr lang="en-US" sz="1800" dirty="0"/>
-              <a:t>      </a:t>
-            </a:r>
-            <a:r>
-              <a:rPr lang="en-US" sz="1800" dirty="0">
+            <a:pPr marL="0" indent="0"/>
+            <a:r>
+              <a:rPr lang="en-US" u="sng">
+                <a:ea typeface="ＭＳ Ｐゴシック"/>
+              </a:rPr>
+              <a:t>Cost Status:</a:t>
+            </a:r>
+            <a:r>
+              <a:rPr lang="en-US">
+                <a:ea typeface="ＭＳ Ｐゴシック"/>
+              </a:rPr>
+              <a:t> </a:t>
+            </a:r>
+            <a:r>
+              <a:rPr lang="en-US">
                 <a:solidFill>
                   <a:srgbClr val="0000FF"/>
                 </a:solidFill>
               </a:rPr>
-              <a:t>(summarize problems that you are experiencing)</a:t>
-            </a:r>
-          </a:p>
-          <a:p>
-            <a:pPr marL="0" indent="0">
-              <a:buNone/>
-            </a:pPr>
-            <a:endParaRPr lang="en-US" sz="1800" dirty="0">
-              <a:solidFill>
-                <a:srgbClr val="0000FF"/>
-              </a:solidFill>
-            </a:endParaRPr>
-          </a:p>
-          <a:p>
-            <a:pPr marL="0" indent="0">
-              <a:buNone/>
-            </a:pPr>
-            <a:r>
-              <a:rPr lang="en-US" sz="1800" u="sng" dirty="0"/>
-              <a:t>Schedule Status:</a:t>
-            </a:r>
-            <a:r>
-              <a:rPr lang="en-US" sz="1800" dirty="0"/>
-              <a:t>    </a:t>
-            </a:r>
-            <a:r>
-              <a:rPr lang="en-US" sz="1800" dirty="0">
-                <a:solidFill>
-                  <a:srgbClr val="0000FF"/>
-                </a:solidFill>
-              </a:rPr>
-              <a:t>(</a:t>
-            </a:r>
-            <a:r>
-              <a:rPr lang="en-US" sz="1800" i="1" dirty="0">
-                <a:solidFill>
-                  <a:srgbClr val="0000FF"/>
-                </a:solidFill>
-              </a:rPr>
-              <a:t>quantify ahead or behind schedule)</a:t>
-            </a:r>
-          </a:p>
-          <a:p>
-            <a:pPr marL="0" indent="0">
-              <a:buNone/>
-            </a:pPr>
-            <a:r>
-              <a:rPr lang="en-US" sz="1800" u="sng" dirty="0"/>
-              <a:t>Cost Status:</a:t>
-            </a:r>
-          </a:p>
-          <a:p>
-            <a:pPr marL="0" indent="0">
-              <a:buNone/>
-            </a:pPr>
-            <a:endParaRPr lang="en-US" sz="1800" u="sng" dirty="0"/>
+              <a:t>No monetary cost, 187 Hours contributed (202 predicted)</a:t>
+            </a:r>
           </a:p>
         </p:txBody>
       </p:sp>
@@ -2495,7 +2952,7 @@
           <a:lstStyle/>
           <a:p>
             <a:r>
-              <a:rPr lang="en-US" sz="3600" dirty="0"/>
+              <a:rPr lang="en-US" sz="3600"/>
               <a:t>Executive Summary</a:t>
             </a:r>
           </a:p>
@@ -2510,7 +2967,7 @@
         <p:spPr>
           <a:xfrm>
             <a:off x="6467040" y="746753"/>
-            <a:ext cx="1840844" cy="369332"/>
+            <a:ext cx="1739772" cy="369332"/>
           </a:xfrm>
           <a:prstGeom prst="rect">
             <a:avLst/>
@@ -2518,15 +2975,20 @@
           <a:noFill/>
         </p:spPr>
         <p:txBody>
-          <a:bodyPr wrap="none" rtlCol="0">
+          <a:bodyPr wrap="none" rtlCol="0" anchor="t">
             <a:spAutoFit/>
           </a:bodyPr>
           <a:lstStyle/>
           <a:p>
             <a:r>
-              <a:rPr lang="en-US" dirty="0"/>
-              <a:t>Date:__________</a:t>
-            </a:r>
+              <a:rPr lang="en-US"/>
+              <a:t>Date: </a:t>
+            </a:r>
+            <a:r>
+              <a:rPr lang="en-US" u="sng"/>
+              <a:t>11/3/2019</a:t>
+            </a:r>
+            <a:endParaRPr lang="en-US"/>
           </a:p>
         </p:txBody>
       </p:sp>
@@ -2583,106 +3045,127 @@
           <a:lstStyle/>
           <a:p>
             <a:r>
-              <a:rPr lang="en-US" sz="2000" u="sng" dirty="0"/>
+              <a:rPr lang="en-US" sz="2000" u="sng"/>
               <a:t>Critical Milestone Dates:</a:t>
             </a:r>
+          </a:p>
+          <a:p>
+            <a:endParaRPr lang="en-US" sz="2000" u="sng"/>
           </a:p>
           <a:p>
             <a:pPr marL="457200" lvl="1" indent="0">
               <a:buNone/>
             </a:pPr>
-            <a:endParaRPr lang="en-US" sz="2000" u="sng" dirty="0"/>
+            <a:endParaRPr lang="en-US" sz="2000" u="sng"/>
           </a:p>
           <a:p>
             <a:pPr marL="457200" lvl="1" indent="0">
               <a:buNone/>
             </a:pPr>
-            <a:endParaRPr lang="en-US" sz="2000" u="sng" dirty="0"/>
-          </a:p>
-          <a:p>
-            <a:pPr marL="457200" lvl="1" indent="0">
-              <a:buNone/>
+            <a:endParaRPr lang="en-US" sz="2000" u="sng"/>
+          </a:p>
+          <a:p>
+            <a:endParaRPr lang="en-US" sz="2000" u="sng"/>
+          </a:p>
+          <a:p>
+            <a:endParaRPr lang="en-US" sz="2000" u="sng"/>
+          </a:p>
+          <a:p>
+            <a:endParaRPr lang="en-US" sz="2000" u="sng"/>
+          </a:p>
+          <a:p>
+            <a:endParaRPr lang="en-US" sz="2000" u="sng"/>
+          </a:p>
+          <a:p>
+            <a:r>
+              <a:rPr lang="en-US" sz="2000" u="sng"/>
+              <a:t>Return to “Green”</a:t>
+            </a:r>
+          </a:p>
+          <a:p>
+            <a:pPr marL="285750" indent="-285750">
+              <a:buFont typeface="Arial" panose="020B0604020202020204" pitchFamily="34" charset="0"/>
+              <a:buChar char="•"/>
             </a:pPr>
-            <a:endParaRPr lang="en-US" sz="2000" u="sng" dirty="0"/>
-          </a:p>
-          <a:p>
-            <a:r>
-              <a:rPr lang="en-US" sz="2000" u="sng" dirty="0"/>
-              <a:t>Return to “Green” Plan (if Issues)”</a:t>
-            </a:r>
-          </a:p>
-          <a:p>
-            <a:pPr marL="0" indent="0">
-              <a:buNone/>
-            </a:pPr>
-            <a:r>
-              <a:rPr lang="en-US" sz="2000" i="1" dirty="0">
+            <a:r>
+              <a:rPr lang="en-US" sz="1500">
                 <a:solidFill>
                   <a:srgbClr val="0000FF"/>
                 </a:solidFill>
               </a:rPr>
-              <a:t>				</a:t>
-            </a:r>
-          </a:p>
-          <a:p>
-            <a:pPr marL="0" indent="0">
-              <a:buNone/>
+              <a:t>If issues occur this semester, we will allocate more time to work during winter break</a:t>
+            </a:r>
+          </a:p>
+          <a:p>
+            <a:pPr marL="285750" indent="-285750">
+              <a:buFont typeface="Arial" panose="020B0604020202020204" pitchFamily="34" charset="0"/>
+              <a:buChar char="•"/>
             </a:pPr>
             <a:r>
-              <a:rPr lang="en-US" sz="2000" i="1" dirty="0">
+              <a:rPr lang="en-US" sz="1500">
                 <a:solidFill>
                   <a:srgbClr val="0000FF"/>
                 </a:solidFill>
               </a:rPr>
-              <a:t>		(summarize your plan to resolve your issues)</a:t>
-            </a:r>
-          </a:p>
-          <a:p>
-            <a:pPr marL="0" indent="0">
-              <a:buNone/>
-            </a:pPr>
-            <a:endParaRPr lang="en-US" sz="2000" i="1" dirty="0">
+              <a:t>If issues occur next semester, we will cut back on the testing and development phase to allocate more time to fix issues</a:t>
+            </a:r>
+            <a:endParaRPr lang="en-US" sz="1500" u="sng">
               <a:solidFill>
                 <a:srgbClr val="0000FF"/>
               </a:solidFill>
             </a:endParaRPr>
           </a:p>
           <a:p>
-            <a:pPr marL="0" indent="0">
-              <a:buNone/>
+            <a:r>
+              <a:rPr lang="en-US" sz="2000" u="sng"/>
+              <a:t>Plans for Next Reporting Period:</a:t>
+            </a:r>
+          </a:p>
+          <a:p>
+            <a:pPr marL="285750" indent="-285750">
+              <a:buFont typeface="Arial" panose="020B0604020202020204" pitchFamily="34" charset="0"/>
+              <a:buChar char="•"/>
             </a:pPr>
-            <a:endParaRPr lang="en-US" sz="2000" i="1" u="sng" dirty="0">
+            <a:r>
+              <a:rPr lang="en-US" sz="1500">
+                <a:solidFill>
+                  <a:srgbClr val="0000FF"/>
+                </a:solidFill>
+              </a:rPr>
+              <a:t>Plans are listed in Critical Milestone section above</a:t>
+            </a:r>
+          </a:p>
+          <a:p>
+            <a:pPr marL="285750" indent="-285750">
+              <a:buFont typeface="Arial" panose="020B0604020202020204" pitchFamily="34" charset="0"/>
+              <a:buChar char="•"/>
+            </a:pPr>
+            <a:endParaRPr lang="en-US" sz="1500">
               <a:solidFill>
                 <a:srgbClr val="0000FF"/>
               </a:solidFill>
             </a:endParaRPr>
           </a:p>
           <a:p>
-            <a:r>
-              <a:rPr lang="en-US" sz="2000" u="sng" dirty="0"/>
-              <a:t>Plans for Next Reporting Period:</a:t>
-            </a:r>
-          </a:p>
-          <a:p>
             <a:pPr marL="457200" lvl="1" indent="0">
               <a:buNone/>
             </a:pPr>
-            <a:endParaRPr lang="en-US" sz="2000" u="sng" dirty="0"/>
-          </a:p>
-          <a:p>
-            <a:endParaRPr lang="en-US" u="sng" dirty="0"/>
+            <a:endParaRPr lang="en-US" sz="2000" u="sng"/>
+          </a:p>
+          <a:p>
+            <a:endParaRPr lang="en-US" u="sng"/>
           </a:p>
           <a:p>
             <a:pPr marL="457200" lvl="1" indent="0">
               <a:buNone/>
             </a:pPr>
-            <a:endParaRPr lang="en-US" u="sng" dirty="0"/>
+            <a:endParaRPr lang="en-US" u="sng"/>
           </a:p>
           <a:p>
             <a:pPr marL="457200" lvl="1" indent="0">
               <a:buNone/>
             </a:pPr>
-            <a:endParaRPr lang="en-US" u="sng" dirty="0"/>
+            <a:endParaRPr lang="en-US" u="sng"/>
           </a:p>
         </p:txBody>
       </p:sp>
@@ -2708,7 +3191,7 @@
           <a:lstStyle/>
           <a:p>
             <a:r>
-              <a:rPr lang="en-US" sz="3600" dirty="0"/>
+              <a:rPr lang="en-US" sz="3600"/>
               <a:t>Issues/Future Plans</a:t>
             </a:r>
           </a:p>
@@ -2723,7 +3206,7 @@
         <p:spPr>
           <a:xfrm>
             <a:off x="6591125" y="622676"/>
-            <a:ext cx="1840844" cy="369332"/>
+            <a:ext cx="1739772" cy="369332"/>
           </a:xfrm>
           <a:prstGeom prst="rect">
             <a:avLst/>
@@ -2737,9 +3220,3062 @@
           <a:lstStyle/>
           <a:p>
             <a:r>
-              <a:rPr lang="en-US" dirty="0"/>
-              <a:t>Date:__________</a:t>
-            </a:r>
+              <a:rPr lang="en-US"/>
+              <a:t>Date: </a:t>
+            </a:r>
+            <a:r>
+              <a:rPr lang="en-US" u="sng"/>
+              <a:t>11/3/2019</a:t>
+            </a:r>
+            <a:endParaRPr lang="en-US"/>
+          </a:p>
+        </p:txBody>
+      </p:sp>
+      <p:graphicFrame>
+        <p:nvGraphicFramePr>
+          <p:cNvPr id="5" name="Table 4">
+            <a:extLst>
+              <a:ext uri="{FF2B5EF4-FFF2-40B4-BE49-F238E27FC236}">
+                <a16:creationId xmlns:a16="http://schemas.microsoft.com/office/drawing/2014/main" id="{9019F82F-2E2E-4D0D-8297-87FA363782C7}"/>
+              </a:ext>
+            </a:extLst>
+          </p:cNvPr>
+          <p:cNvGraphicFramePr>
+            <a:graphicFrameLocks noGrp="1"/>
+          </p:cNvGraphicFramePr>
+          <p:nvPr>
+            <p:extLst>
+              <p:ext uri="{D42A27DB-BD31-4B8C-83A1-F6EECF244321}">
+                <p14:modId xmlns:p14="http://schemas.microsoft.com/office/powerpoint/2010/main" val="1331002816"/>
+              </p:ext>
+            </p:extLst>
+          </p:nvPr>
+        </p:nvGraphicFramePr>
+        <p:xfrm>
+          <a:off x="489875" y="1554102"/>
+          <a:ext cx="7841021" cy="2609334"/>
+        </p:xfrm>
+        <a:graphic>
+          <a:graphicData uri="http://schemas.openxmlformats.org/drawingml/2006/table">
+            <a:tbl>
+              <a:tblPr>
+                <a:tableStyleId>{5C22544A-7EE6-4342-B048-85BDC9FD1C3A}</a:tableStyleId>
+              </a:tblPr>
+              <a:tblGrid>
+                <a:gridCol w="214124">
+                  <a:extLst>
+                    <a:ext uri="{9D8B030D-6E8A-4147-A177-3AD203B41FA5}">
+                      <a16:colId xmlns:a16="http://schemas.microsoft.com/office/drawing/2014/main" val="671418013"/>
+                    </a:ext>
+                  </a:extLst>
+                </a:gridCol>
+                <a:gridCol w="1723189">
+                  <a:extLst>
+                    <a:ext uri="{9D8B030D-6E8A-4147-A177-3AD203B41FA5}">
+                      <a16:colId xmlns:a16="http://schemas.microsoft.com/office/drawing/2014/main" val="3523765146"/>
+                    </a:ext>
+                  </a:extLst>
+                </a:gridCol>
+                <a:gridCol w="3538146">
+                  <a:extLst>
+                    <a:ext uri="{9D8B030D-6E8A-4147-A177-3AD203B41FA5}">
+                      <a16:colId xmlns:a16="http://schemas.microsoft.com/office/drawing/2014/main" val="2081966058"/>
+                    </a:ext>
+                  </a:extLst>
+                </a:gridCol>
+                <a:gridCol w="652569">
+                  <a:extLst>
+                    <a:ext uri="{9D8B030D-6E8A-4147-A177-3AD203B41FA5}">
+                      <a16:colId xmlns:a16="http://schemas.microsoft.com/office/drawing/2014/main" val="2284990309"/>
+                    </a:ext>
+                  </a:extLst>
+                </a:gridCol>
+                <a:gridCol w="621980">
+                  <a:extLst>
+                    <a:ext uri="{9D8B030D-6E8A-4147-A177-3AD203B41FA5}">
+                      <a16:colId xmlns:a16="http://schemas.microsoft.com/office/drawing/2014/main" val="812472574"/>
+                    </a:ext>
+                  </a:extLst>
+                </a:gridCol>
+                <a:gridCol w="621980">
+                  <a:extLst>
+                    <a:ext uri="{9D8B030D-6E8A-4147-A177-3AD203B41FA5}">
+                      <a16:colId xmlns:a16="http://schemas.microsoft.com/office/drawing/2014/main" val="264275889"/>
+                    </a:ext>
+                  </a:extLst>
+                </a:gridCol>
+                <a:gridCol w="469033">
+                  <a:extLst>
+                    <a:ext uri="{9D8B030D-6E8A-4147-A177-3AD203B41FA5}">
+                      <a16:colId xmlns:a16="http://schemas.microsoft.com/office/drawing/2014/main" val="2548966086"/>
+                    </a:ext>
+                  </a:extLst>
+                </a:gridCol>
+              </a:tblGrid>
+              <a:tr h="143117">
+                <a:tc>
+                  <a:txBody>
+                    <a:bodyPr/>
+                    <a:lstStyle/>
+                    <a:p>
+                      <a:pPr algn="ctr" fontAlgn="ctr"/>
+                      <a:r>
+                        <a:rPr lang="en-US" sz="900" u="none" strike="noStrike">
+                          <a:effectLst/>
+                        </a:rPr>
+                        <a:t>ID</a:t>
+                      </a:r>
+                      <a:endParaRPr lang="en-US" sz="900" b="1" i="0" u="none" strike="noStrike">
+                        <a:solidFill>
+                          <a:srgbClr val="000000"/>
+                        </a:solidFill>
+                        <a:effectLst/>
+                        <a:latin typeface="Calibri" panose="020F0502020204030204" pitchFamily="34" charset="0"/>
+                      </a:endParaRPr>
+                    </a:p>
+                  </a:txBody>
+                  <a:tcPr marL="7803" marR="7803" marT="7803" marB="0" anchor="ctr"/>
+                </a:tc>
+                <a:tc>
+                  <a:txBody>
+                    <a:bodyPr/>
+                    <a:lstStyle/>
+                    <a:p>
+                      <a:pPr algn="ctr" fontAlgn="ctr"/>
+                      <a:r>
+                        <a:rPr lang="en-US" sz="900" u="none" strike="noStrike">
+                          <a:effectLst/>
+                        </a:rPr>
+                        <a:t>Activity</a:t>
+                      </a:r>
+                      <a:endParaRPr lang="en-US" sz="900" b="1" i="0" u="none" strike="noStrike">
+                        <a:solidFill>
+                          <a:srgbClr val="000000"/>
+                        </a:solidFill>
+                        <a:effectLst/>
+                        <a:latin typeface="Calibri" panose="020F0502020204030204" pitchFamily="34" charset="0"/>
+                      </a:endParaRPr>
+                    </a:p>
+                  </a:txBody>
+                  <a:tcPr marL="7803" marR="7803" marT="7803" marB="0" anchor="ctr"/>
+                </a:tc>
+                <a:tc>
+                  <a:txBody>
+                    <a:bodyPr/>
+                    <a:lstStyle/>
+                    <a:p>
+                      <a:pPr algn="ctr" fontAlgn="ctr"/>
+                      <a:r>
+                        <a:rPr lang="en-US" sz="900" u="none" strike="noStrike">
+                          <a:effectLst/>
+                        </a:rPr>
+                        <a:t>Description</a:t>
+                      </a:r>
+                      <a:endParaRPr lang="en-US" sz="900" b="1" i="0" u="none" strike="noStrike">
+                        <a:solidFill>
+                          <a:srgbClr val="000000"/>
+                        </a:solidFill>
+                        <a:effectLst/>
+                        <a:latin typeface="Calibri" panose="020F0502020204030204" pitchFamily="34" charset="0"/>
+                      </a:endParaRPr>
+                    </a:p>
+                  </a:txBody>
+                  <a:tcPr marL="7803" marR="7803" marT="7803" marB="0" anchor="ctr"/>
+                </a:tc>
+                <a:tc>
+                  <a:txBody>
+                    <a:bodyPr/>
+                    <a:lstStyle/>
+                    <a:p>
+                      <a:pPr algn="ctr" fontAlgn="ctr"/>
+                      <a:r>
+                        <a:rPr lang="en-US" sz="900" u="none" strike="noStrike">
+                          <a:effectLst/>
+                        </a:rPr>
+                        <a:t>Deliverables</a:t>
+                      </a:r>
+                      <a:endParaRPr lang="en-US" sz="900" b="1" i="0" u="none" strike="noStrike">
+                        <a:solidFill>
+                          <a:srgbClr val="000000"/>
+                        </a:solidFill>
+                        <a:effectLst/>
+                        <a:latin typeface="Calibri" panose="020F0502020204030204" pitchFamily="34" charset="0"/>
+                      </a:endParaRPr>
+                    </a:p>
+                  </a:txBody>
+                  <a:tcPr marL="7803" marR="7803" marT="7803" marB="0" anchor="ctr"/>
+                </a:tc>
+                <a:tc>
+                  <a:txBody>
+                    <a:bodyPr/>
+                    <a:lstStyle/>
+                    <a:p>
+                      <a:pPr algn="ctr" fontAlgn="ctr"/>
+                      <a:r>
+                        <a:rPr lang="en-US" sz="900" u="none" strike="noStrike">
+                          <a:effectLst/>
+                        </a:rPr>
+                        <a:t>Start</a:t>
+                      </a:r>
+                      <a:endParaRPr lang="en-US" sz="900" b="1" i="0" u="none" strike="noStrike">
+                        <a:solidFill>
+                          <a:srgbClr val="000000"/>
+                        </a:solidFill>
+                        <a:effectLst/>
+                        <a:latin typeface="Calibri" panose="020F0502020204030204" pitchFamily="34" charset="0"/>
+                      </a:endParaRPr>
+                    </a:p>
+                  </a:txBody>
+                  <a:tcPr marL="7803" marR="7803" marT="7803" marB="0" anchor="ctr"/>
+                </a:tc>
+                <a:tc>
+                  <a:txBody>
+                    <a:bodyPr/>
+                    <a:lstStyle/>
+                    <a:p>
+                      <a:pPr algn="ctr" fontAlgn="ctr"/>
+                      <a:r>
+                        <a:rPr lang="en-US" sz="900" u="none" strike="noStrike">
+                          <a:effectLst/>
+                        </a:rPr>
+                        <a:t>Finish</a:t>
+                      </a:r>
+                      <a:endParaRPr lang="en-US" sz="900" b="1" i="0" u="none" strike="noStrike">
+                        <a:solidFill>
+                          <a:srgbClr val="000000"/>
+                        </a:solidFill>
+                        <a:effectLst/>
+                        <a:latin typeface="Calibri" panose="020F0502020204030204" pitchFamily="34" charset="0"/>
+                      </a:endParaRPr>
+                    </a:p>
+                  </a:txBody>
+                  <a:tcPr marL="7803" marR="7803" marT="7803" marB="0" anchor="ctr"/>
+                </a:tc>
+                <a:tc>
+                  <a:txBody>
+                    <a:bodyPr/>
+                    <a:lstStyle/>
+                    <a:p>
+                      <a:pPr algn="ctr" fontAlgn="ctr"/>
+                      <a:r>
+                        <a:rPr lang="en-US" sz="900" u="none" strike="noStrike">
+                          <a:effectLst/>
+                        </a:rPr>
+                        <a:t>Duration</a:t>
+                      </a:r>
+                      <a:endParaRPr lang="en-US" sz="900" b="1" i="0" u="none" strike="noStrike">
+                        <a:solidFill>
+                          <a:srgbClr val="000000"/>
+                        </a:solidFill>
+                        <a:effectLst/>
+                        <a:latin typeface="Calibri" panose="020F0502020204030204" pitchFamily="34" charset="0"/>
+                      </a:endParaRPr>
+                    </a:p>
+                  </a:txBody>
+                  <a:tcPr marL="7803" marR="7803" marT="7803" marB="0" anchor="ctr"/>
+                </a:tc>
+                <a:extLst>
+                  <a:ext uri="{0D108BD9-81ED-4DB2-BD59-A6C34878D82A}">
+                    <a16:rowId xmlns:a16="http://schemas.microsoft.com/office/drawing/2014/main" val="1985942284"/>
+                  </a:ext>
+                </a:extLst>
+              </a:tr>
+              <a:tr h="143117">
+                <a:tc>
+                  <a:txBody>
+                    <a:bodyPr/>
+                    <a:lstStyle/>
+                    <a:p>
+                      <a:pPr algn="ctr" fontAlgn="ctr"/>
+                      <a:r>
+                        <a:rPr lang="en-US" sz="900" u="none" strike="noStrike">
+                          <a:effectLst/>
+                        </a:rPr>
+                        <a:t>1</a:t>
+                      </a:r>
+                      <a:endParaRPr lang="en-US" sz="900" b="1" i="0" u="none" strike="noStrike">
+                        <a:solidFill>
+                          <a:srgbClr val="000000"/>
+                        </a:solidFill>
+                        <a:effectLst/>
+                        <a:latin typeface="Calibri" panose="020F0502020204030204" pitchFamily="34" charset="0"/>
+                      </a:endParaRPr>
+                    </a:p>
+                  </a:txBody>
+                  <a:tcPr marL="7803" marR="7803" marT="7803" marB="0" anchor="ctr"/>
+                </a:tc>
+                <a:tc>
+                  <a:txBody>
+                    <a:bodyPr/>
+                    <a:lstStyle/>
+                    <a:p>
+                      <a:pPr algn="l" fontAlgn="ctr"/>
+                      <a:r>
+                        <a:rPr lang="en-US" sz="900" u="none" strike="noStrike">
+                          <a:effectLst/>
+                        </a:rPr>
+                        <a:t>Requirements</a:t>
+                      </a:r>
+                      <a:endParaRPr lang="en-US" sz="900" b="1" i="0" u="none" strike="noStrike">
+                        <a:solidFill>
+                          <a:srgbClr val="000000"/>
+                        </a:solidFill>
+                        <a:effectLst/>
+                        <a:latin typeface="Calibri" panose="020F0502020204030204" pitchFamily="34" charset="0"/>
+                      </a:endParaRPr>
+                    </a:p>
+                  </a:txBody>
+                  <a:tcPr marL="7803" marR="7803" marT="7803" marB="0" anchor="ctr"/>
+                </a:tc>
+                <a:tc>
+                  <a:txBody>
+                    <a:bodyPr/>
+                    <a:lstStyle/>
+                    <a:p>
+                      <a:pPr algn="l" fontAlgn="ctr"/>
+                      <a:r>
+                        <a:rPr lang="en-US" sz="900" u="none" strike="noStrike">
+                          <a:effectLst/>
+                        </a:rPr>
+                        <a:t>What does our customer need from the product?</a:t>
+                      </a:r>
+                      <a:endParaRPr lang="en-US" sz="900" b="0" i="0" u="none" strike="noStrike">
+                        <a:solidFill>
+                          <a:srgbClr val="000000"/>
+                        </a:solidFill>
+                        <a:effectLst/>
+                        <a:latin typeface="Calibri" panose="020F0502020204030204" pitchFamily="34" charset="0"/>
+                      </a:endParaRPr>
+                    </a:p>
+                  </a:txBody>
+                  <a:tcPr marL="7803" marR="7803" marT="7803" marB="0" anchor="ctr"/>
+                </a:tc>
+                <a:tc>
+                  <a:txBody>
+                    <a:bodyPr/>
+                    <a:lstStyle/>
+                    <a:p>
+                      <a:pPr algn="ctr" fontAlgn="ctr"/>
+                      <a:r>
+                        <a:rPr lang="en-US" sz="900" u="none" strike="noStrike">
+                          <a:effectLst/>
+                        </a:rPr>
+                        <a:t>T00, T01, T02</a:t>
+                      </a:r>
+                      <a:endParaRPr lang="en-US" sz="900" b="0" i="0" u="none" strike="noStrike">
+                        <a:solidFill>
+                          <a:srgbClr val="000000"/>
+                        </a:solidFill>
+                        <a:effectLst/>
+                        <a:latin typeface="Calibri" panose="020F0502020204030204" pitchFamily="34" charset="0"/>
+                      </a:endParaRPr>
+                    </a:p>
+                  </a:txBody>
+                  <a:tcPr marL="7803" marR="7803" marT="7803" marB="0" anchor="ctr"/>
+                </a:tc>
+                <a:tc>
+                  <a:txBody>
+                    <a:bodyPr/>
+                    <a:lstStyle/>
+                    <a:p>
+                      <a:pPr algn="ctr" fontAlgn="ctr"/>
+                      <a:r>
+                        <a:rPr lang="en-US" sz="900" u="none" strike="noStrike">
+                          <a:effectLst/>
+                        </a:rPr>
+                        <a:t>8/26/2019</a:t>
+                      </a:r>
+                      <a:endParaRPr lang="en-US" sz="900" b="1" i="0" u="none" strike="noStrike">
+                        <a:solidFill>
+                          <a:srgbClr val="000000"/>
+                        </a:solidFill>
+                        <a:effectLst/>
+                        <a:latin typeface="Calibri" panose="020F0502020204030204" pitchFamily="34" charset="0"/>
+                      </a:endParaRPr>
+                    </a:p>
+                  </a:txBody>
+                  <a:tcPr marL="7803" marR="7803" marT="7803" marB="0" anchor="ctr"/>
+                </a:tc>
+                <a:tc>
+                  <a:txBody>
+                    <a:bodyPr/>
+                    <a:lstStyle/>
+                    <a:p>
+                      <a:pPr algn="ctr" fontAlgn="ctr"/>
+                      <a:r>
+                        <a:rPr lang="en-US" sz="900" u="none" strike="noStrike">
+                          <a:effectLst/>
+                        </a:rPr>
+                        <a:t>10/6/2019</a:t>
+                      </a:r>
+                      <a:endParaRPr lang="en-US" sz="900" b="1" i="0" u="none" strike="noStrike">
+                        <a:solidFill>
+                          <a:srgbClr val="000000"/>
+                        </a:solidFill>
+                        <a:effectLst/>
+                        <a:latin typeface="Calibri" panose="020F0502020204030204" pitchFamily="34" charset="0"/>
+                      </a:endParaRPr>
+                    </a:p>
+                  </a:txBody>
+                  <a:tcPr marL="7803" marR="7803" marT="7803" marB="0" anchor="ctr"/>
+                </a:tc>
+                <a:tc>
+                  <a:txBody>
+                    <a:bodyPr/>
+                    <a:lstStyle/>
+                    <a:p>
+                      <a:pPr algn="ctr" fontAlgn="ctr"/>
+                      <a:r>
+                        <a:rPr lang="en-US" sz="900" u="none" strike="noStrike">
+                          <a:effectLst/>
+                        </a:rPr>
+                        <a:t>42</a:t>
+                      </a:r>
+                      <a:endParaRPr lang="en-US" sz="900" b="1" i="0" u="none" strike="noStrike">
+                        <a:solidFill>
+                          <a:srgbClr val="000000"/>
+                        </a:solidFill>
+                        <a:effectLst/>
+                        <a:latin typeface="Calibri" panose="020F0502020204030204" pitchFamily="34" charset="0"/>
+                      </a:endParaRPr>
+                    </a:p>
+                  </a:txBody>
+                  <a:tcPr marL="7803" marR="7803" marT="7803" marB="0" anchor="ctr"/>
+                </a:tc>
+                <a:extLst>
+                  <a:ext uri="{0D108BD9-81ED-4DB2-BD59-A6C34878D82A}">
+                    <a16:rowId xmlns:a16="http://schemas.microsoft.com/office/drawing/2014/main" val="2533831782"/>
+                  </a:ext>
+                </a:extLst>
+              </a:tr>
+              <a:tr h="143117">
+                <a:tc>
+                  <a:txBody>
+                    <a:bodyPr/>
+                    <a:lstStyle/>
+                    <a:p>
+                      <a:pPr algn="ctr" fontAlgn="ctr"/>
+                      <a:r>
+                        <a:rPr lang="en-US" sz="900" u="none" strike="noStrike">
+                          <a:effectLst/>
+                        </a:rPr>
+                        <a:t>2</a:t>
+                      </a:r>
+                      <a:endParaRPr lang="en-US" sz="900" b="1" i="0" u="none" strike="noStrike">
+                        <a:solidFill>
+                          <a:srgbClr val="000000"/>
+                        </a:solidFill>
+                        <a:effectLst/>
+                        <a:latin typeface="Calibri" panose="020F0502020204030204" pitchFamily="34" charset="0"/>
+                      </a:endParaRPr>
+                    </a:p>
+                  </a:txBody>
+                  <a:tcPr marL="7803" marR="7803" marT="7803" marB="0" anchor="ctr"/>
+                </a:tc>
+                <a:tc>
+                  <a:txBody>
+                    <a:bodyPr/>
+                    <a:lstStyle/>
+                    <a:p>
+                      <a:pPr algn="l" fontAlgn="ctr"/>
+                      <a:r>
+                        <a:rPr lang="en-US" sz="900" u="none" strike="noStrike">
+                          <a:effectLst/>
+                        </a:rPr>
+                        <a:t>Research &amp; Design</a:t>
+                      </a:r>
+                      <a:endParaRPr lang="en-US" sz="900" b="1" i="0" u="none" strike="noStrike">
+                        <a:solidFill>
+                          <a:srgbClr val="000000"/>
+                        </a:solidFill>
+                        <a:effectLst/>
+                        <a:latin typeface="Calibri" panose="020F0502020204030204" pitchFamily="34" charset="0"/>
+                      </a:endParaRPr>
+                    </a:p>
+                  </a:txBody>
+                  <a:tcPr marL="7803" marR="7803" marT="7803" marB="0" anchor="ctr"/>
+                </a:tc>
+                <a:tc>
+                  <a:txBody>
+                    <a:bodyPr/>
+                    <a:lstStyle/>
+                    <a:p>
+                      <a:pPr algn="l" fontAlgn="ctr"/>
+                      <a:r>
+                        <a:rPr lang="en-US" sz="900" u="none" strike="noStrike">
+                          <a:effectLst/>
+                        </a:rPr>
+                        <a:t>What do we need to know in order to build our prodcut.</a:t>
+                      </a:r>
+                      <a:endParaRPr lang="en-US" sz="900" b="0" i="0" u="none" strike="noStrike">
+                        <a:solidFill>
+                          <a:srgbClr val="000000"/>
+                        </a:solidFill>
+                        <a:effectLst/>
+                        <a:latin typeface="Calibri" panose="020F0502020204030204" pitchFamily="34" charset="0"/>
+                      </a:endParaRPr>
+                    </a:p>
+                  </a:txBody>
+                  <a:tcPr marL="7803" marR="7803" marT="7803" marB="0" anchor="ctr"/>
+                </a:tc>
+                <a:tc>
+                  <a:txBody>
+                    <a:bodyPr/>
+                    <a:lstStyle/>
+                    <a:p>
+                      <a:pPr algn="ctr" fontAlgn="ctr"/>
+                      <a:endParaRPr lang="en-US" sz="900" b="0" i="0" u="none" strike="noStrike">
+                        <a:solidFill>
+                          <a:srgbClr val="000000"/>
+                        </a:solidFill>
+                        <a:effectLst/>
+                        <a:latin typeface="Calibri" panose="020F0502020204030204" pitchFamily="34" charset="0"/>
+                      </a:endParaRPr>
+                    </a:p>
+                  </a:txBody>
+                  <a:tcPr marL="7803" marR="7803" marT="7803" marB="0" anchor="ctr"/>
+                </a:tc>
+                <a:tc>
+                  <a:txBody>
+                    <a:bodyPr/>
+                    <a:lstStyle/>
+                    <a:p>
+                      <a:pPr algn="ctr" fontAlgn="ctr"/>
+                      <a:r>
+                        <a:rPr lang="en-US" sz="900" u="none" strike="noStrike">
+                          <a:effectLst/>
+                        </a:rPr>
+                        <a:t>10/7/2019</a:t>
+                      </a:r>
+                      <a:endParaRPr lang="en-US" sz="900" b="1" i="0" u="none" strike="noStrike">
+                        <a:solidFill>
+                          <a:srgbClr val="000000"/>
+                        </a:solidFill>
+                        <a:effectLst/>
+                        <a:latin typeface="Calibri" panose="020F0502020204030204" pitchFamily="34" charset="0"/>
+                      </a:endParaRPr>
+                    </a:p>
+                  </a:txBody>
+                  <a:tcPr marL="7803" marR="7803" marT="7803" marB="0" anchor="ctr"/>
+                </a:tc>
+                <a:tc>
+                  <a:txBody>
+                    <a:bodyPr/>
+                    <a:lstStyle/>
+                    <a:p>
+                      <a:pPr algn="ctr" fontAlgn="ctr"/>
+                      <a:r>
+                        <a:rPr lang="en-US" sz="900" u="none" strike="noStrike">
+                          <a:effectLst/>
+                        </a:rPr>
+                        <a:t>10/27/2019</a:t>
+                      </a:r>
+                      <a:endParaRPr lang="en-US" sz="900" b="1" i="0" u="none" strike="noStrike">
+                        <a:solidFill>
+                          <a:srgbClr val="000000"/>
+                        </a:solidFill>
+                        <a:effectLst/>
+                        <a:latin typeface="Calibri" panose="020F0502020204030204" pitchFamily="34" charset="0"/>
+                      </a:endParaRPr>
+                    </a:p>
+                  </a:txBody>
+                  <a:tcPr marL="7803" marR="7803" marT="7803" marB="0" anchor="ctr"/>
+                </a:tc>
+                <a:tc>
+                  <a:txBody>
+                    <a:bodyPr/>
+                    <a:lstStyle/>
+                    <a:p>
+                      <a:pPr algn="ctr" fontAlgn="ctr"/>
+                      <a:r>
+                        <a:rPr lang="en-US" sz="900" u="none" strike="noStrike">
+                          <a:effectLst/>
+                        </a:rPr>
+                        <a:t>21</a:t>
+                      </a:r>
+                      <a:endParaRPr lang="en-US" sz="900" b="1" i="0" u="none" strike="noStrike">
+                        <a:solidFill>
+                          <a:srgbClr val="000000"/>
+                        </a:solidFill>
+                        <a:effectLst/>
+                        <a:latin typeface="Calibri" panose="020F0502020204030204" pitchFamily="34" charset="0"/>
+                      </a:endParaRPr>
+                    </a:p>
+                  </a:txBody>
+                  <a:tcPr marL="7803" marR="7803" marT="7803" marB="0" anchor="ctr"/>
+                </a:tc>
+                <a:extLst>
+                  <a:ext uri="{0D108BD9-81ED-4DB2-BD59-A6C34878D82A}">
+                    <a16:rowId xmlns:a16="http://schemas.microsoft.com/office/drawing/2014/main" val="186705209"/>
+                  </a:ext>
+                </a:extLst>
+              </a:tr>
+              <a:tr h="143117">
+                <a:tc>
+                  <a:txBody>
+                    <a:bodyPr/>
+                    <a:lstStyle/>
+                    <a:p>
+                      <a:pPr algn="ctr" fontAlgn="ctr"/>
+                      <a:r>
+                        <a:rPr lang="en-US" sz="900" u="none" strike="noStrike">
+                          <a:effectLst/>
+                        </a:rPr>
+                        <a:t>2.1</a:t>
+                      </a:r>
+                      <a:endParaRPr lang="en-US" sz="900" b="0" i="0" u="none" strike="noStrike">
+                        <a:solidFill>
+                          <a:srgbClr val="000000"/>
+                        </a:solidFill>
+                        <a:effectLst/>
+                        <a:latin typeface="Calibri" panose="020F0502020204030204" pitchFamily="34" charset="0"/>
+                      </a:endParaRPr>
+                    </a:p>
+                  </a:txBody>
+                  <a:tcPr marL="7803" marR="7803" marT="7803" marB="0" anchor="ctr"/>
+                </a:tc>
+                <a:tc>
+                  <a:txBody>
+                    <a:bodyPr/>
+                    <a:lstStyle/>
+                    <a:p>
+                      <a:pPr algn="l" fontAlgn="ctr"/>
+                      <a:r>
+                        <a:rPr lang="en-US" sz="900" u="none" strike="noStrike">
+                          <a:effectLst/>
+                        </a:rPr>
+                        <a:t>Existing Tools</a:t>
+                      </a:r>
+                      <a:endParaRPr lang="en-US" sz="900" b="0" i="0" u="none" strike="noStrike">
+                        <a:solidFill>
+                          <a:srgbClr val="000000"/>
+                        </a:solidFill>
+                        <a:effectLst/>
+                        <a:latin typeface="Calibri" panose="020F0502020204030204" pitchFamily="34" charset="0"/>
+                      </a:endParaRPr>
+                    </a:p>
+                  </a:txBody>
+                  <a:tcPr marL="7803" marR="7803" marT="7803" marB="0" anchor="ctr"/>
+                </a:tc>
+                <a:tc>
+                  <a:txBody>
+                    <a:bodyPr/>
+                    <a:lstStyle/>
+                    <a:p>
+                      <a:pPr algn="l" fontAlgn="ctr"/>
+                      <a:r>
+                        <a:rPr lang="en-US" sz="900" u="none" strike="noStrike">
+                          <a:effectLst/>
+                        </a:rPr>
+                        <a:t>What tools arleady exist, how do they work, and where do they fall short?</a:t>
+                      </a:r>
+                      <a:endParaRPr lang="en-US" sz="900" b="0" i="0" u="none" strike="noStrike">
+                        <a:solidFill>
+                          <a:srgbClr val="000000"/>
+                        </a:solidFill>
+                        <a:effectLst/>
+                        <a:latin typeface="Calibri" panose="020F0502020204030204" pitchFamily="34" charset="0"/>
+                      </a:endParaRPr>
+                    </a:p>
+                  </a:txBody>
+                  <a:tcPr marL="7803" marR="7803" marT="7803" marB="0" anchor="ctr"/>
+                </a:tc>
+                <a:tc>
+                  <a:txBody>
+                    <a:bodyPr/>
+                    <a:lstStyle/>
+                    <a:p>
+                      <a:pPr algn="ctr" fontAlgn="ctr"/>
+                      <a:r>
+                        <a:rPr lang="en-US" sz="900" u="none" strike="noStrike">
+                          <a:effectLst/>
+                        </a:rPr>
+                        <a:t>T03</a:t>
+                      </a:r>
+                      <a:endParaRPr lang="en-US" sz="900" b="0" i="0" u="none" strike="noStrike">
+                        <a:solidFill>
+                          <a:srgbClr val="000000"/>
+                        </a:solidFill>
+                        <a:effectLst/>
+                        <a:latin typeface="Calibri" panose="020F0502020204030204" pitchFamily="34" charset="0"/>
+                      </a:endParaRPr>
+                    </a:p>
+                  </a:txBody>
+                  <a:tcPr marL="7803" marR="7803" marT="7803" marB="0" anchor="ctr"/>
+                </a:tc>
+                <a:tc>
+                  <a:txBody>
+                    <a:bodyPr/>
+                    <a:lstStyle/>
+                    <a:p>
+                      <a:pPr algn="ctr" fontAlgn="ctr"/>
+                      <a:r>
+                        <a:rPr lang="en-US" sz="900" u="none" strike="noStrike">
+                          <a:effectLst/>
+                        </a:rPr>
+                        <a:t>10/7/2019</a:t>
+                      </a:r>
+                      <a:endParaRPr lang="en-US" sz="900" b="0" i="0" u="none" strike="noStrike">
+                        <a:solidFill>
+                          <a:srgbClr val="000000"/>
+                        </a:solidFill>
+                        <a:effectLst/>
+                        <a:latin typeface="Calibri" panose="020F0502020204030204" pitchFamily="34" charset="0"/>
+                      </a:endParaRPr>
+                    </a:p>
+                  </a:txBody>
+                  <a:tcPr marL="7803" marR="7803" marT="7803" marB="0" anchor="ctr"/>
+                </a:tc>
+                <a:tc>
+                  <a:txBody>
+                    <a:bodyPr/>
+                    <a:lstStyle/>
+                    <a:p>
+                      <a:pPr algn="ctr" fontAlgn="ctr"/>
+                      <a:r>
+                        <a:rPr lang="en-US" sz="900" u="none" strike="noStrike">
+                          <a:effectLst/>
+                        </a:rPr>
+                        <a:t>10/13/2019</a:t>
+                      </a:r>
+                      <a:endParaRPr lang="en-US" sz="900" b="0" i="0" u="none" strike="noStrike">
+                        <a:solidFill>
+                          <a:srgbClr val="000000"/>
+                        </a:solidFill>
+                        <a:effectLst/>
+                        <a:latin typeface="Calibri" panose="020F0502020204030204" pitchFamily="34" charset="0"/>
+                      </a:endParaRPr>
+                    </a:p>
+                  </a:txBody>
+                  <a:tcPr marL="7803" marR="7803" marT="7803" marB="0" anchor="ctr"/>
+                </a:tc>
+                <a:tc>
+                  <a:txBody>
+                    <a:bodyPr/>
+                    <a:lstStyle/>
+                    <a:p>
+                      <a:pPr algn="ctr" fontAlgn="ctr"/>
+                      <a:r>
+                        <a:rPr lang="en-US" sz="900" u="none" strike="noStrike">
+                          <a:effectLst/>
+                        </a:rPr>
+                        <a:t>7</a:t>
+                      </a:r>
+                      <a:endParaRPr lang="en-US" sz="900" b="0" i="0" u="none" strike="noStrike">
+                        <a:solidFill>
+                          <a:srgbClr val="000000"/>
+                        </a:solidFill>
+                        <a:effectLst/>
+                        <a:latin typeface="Calibri" panose="020F0502020204030204" pitchFamily="34" charset="0"/>
+                      </a:endParaRPr>
+                    </a:p>
+                  </a:txBody>
+                  <a:tcPr marL="7803" marR="7803" marT="7803" marB="0" anchor="ctr"/>
+                </a:tc>
+                <a:extLst>
+                  <a:ext uri="{0D108BD9-81ED-4DB2-BD59-A6C34878D82A}">
+                    <a16:rowId xmlns:a16="http://schemas.microsoft.com/office/drawing/2014/main" val="3008495902"/>
+                  </a:ext>
+                </a:extLst>
+              </a:tr>
+              <a:tr h="143117">
+                <a:tc>
+                  <a:txBody>
+                    <a:bodyPr/>
+                    <a:lstStyle/>
+                    <a:p>
+                      <a:pPr algn="ctr" fontAlgn="ctr"/>
+                      <a:r>
+                        <a:rPr lang="en-US" sz="900" u="none" strike="noStrike">
+                          <a:effectLst/>
+                        </a:rPr>
+                        <a:t>2.2</a:t>
+                      </a:r>
+                      <a:endParaRPr lang="en-US" sz="900" b="0" i="0" u="none" strike="noStrike">
+                        <a:solidFill>
+                          <a:srgbClr val="000000"/>
+                        </a:solidFill>
+                        <a:effectLst/>
+                        <a:latin typeface="Calibri" panose="020F0502020204030204" pitchFamily="34" charset="0"/>
+                      </a:endParaRPr>
+                    </a:p>
+                  </a:txBody>
+                  <a:tcPr marL="7803" marR="7803" marT="7803" marB="0" anchor="ctr"/>
+                </a:tc>
+                <a:tc>
+                  <a:txBody>
+                    <a:bodyPr/>
+                    <a:lstStyle/>
+                    <a:p>
+                      <a:pPr algn="l" fontAlgn="ctr"/>
+                      <a:r>
+                        <a:rPr lang="en-US" sz="900" u="none" strike="noStrike">
+                          <a:effectLst/>
+                        </a:rPr>
+                        <a:t>General Architecture</a:t>
+                      </a:r>
+                      <a:endParaRPr lang="en-US" sz="900" b="0" i="0" u="none" strike="noStrike">
+                        <a:solidFill>
+                          <a:srgbClr val="000000"/>
+                        </a:solidFill>
+                        <a:effectLst/>
+                        <a:latin typeface="Calibri" panose="020F0502020204030204" pitchFamily="34" charset="0"/>
+                      </a:endParaRPr>
+                    </a:p>
+                  </a:txBody>
+                  <a:tcPr marL="7803" marR="7803" marT="7803" marB="0" anchor="ctr"/>
+                </a:tc>
+                <a:tc>
+                  <a:txBody>
+                    <a:bodyPr/>
+                    <a:lstStyle/>
+                    <a:p>
+                      <a:pPr algn="l" fontAlgn="ctr"/>
+                      <a:r>
+                        <a:rPr lang="en-US" sz="900" u="none" strike="noStrike">
+                          <a:effectLst/>
+                        </a:rPr>
+                        <a:t>Refine required software, structures, and tools for Dev.</a:t>
+                      </a:r>
+                      <a:endParaRPr lang="en-US" sz="900" b="0" i="0" u="none" strike="noStrike">
+                        <a:solidFill>
+                          <a:srgbClr val="000000"/>
+                        </a:solidFill>
+                        <a:effectLst/>
+                        <a:latin typeface="Calibri" panose="020F0502020204030204" pitchFamily="34" charset="0"/>
+                      </a:endParaRPr>
+                    </a:p>
+                  </a:txBody>
+                  <a:tcPr marL="7803" marR="7803" marT="7803" marB="0" anchor="ctr"/>
+                </a:tc>
+                <a:tc>
+                  <a:txBody>
+                    <a:bodyPr/>
+                    <a:lstStyle/>
+                    <a:p>
+                      <a:pPr algn="ctr" fontAlgn="ctr"/>
+                      <a:r>
+                        <a:rPr lang="en-US" sz="900" u="none" strike="noStrike">
+                          <a:effectLst/>
+                        </a:rPr>
+                        <a:t>T04, E03</a:t>
+                      </a:r>
+                      <a:endParaRPr lang="en-US" sz="900" b="0" i="0" u="none" strike="noStrike">
+                        <a:solidFill>
+                          <a:srgbClr val="000000"/>
+                        </a:solidFill>
+                        <a:effectLst/>
+                        <a:latin typeface="Calibri" panose="020F0502020204030204" pitchFamily="34" charset="0"/>
+                      </a:endParaRPr>
+                    </a:p>
+                  </a:txBody>
+                  <a:tcPr marL="7803" marR="7803" marT="7803" marB="0" anchor="ctr"/>
+                </a:tc>
+                <a:tc>
+                  <a:txBody>
+                    <a:bodyPr/>
+                    <a:lstStyle/>
+                    <a:p>
+                      <a:pPr algn="ctr" fontAlgn="ctr"/>
+                      <a:r>
+                        <a:rPr lang="en-US" sz="900" u="none" strike="noStrike">
+                          <a:effectLst/>
+                        </a:rPr>
+                        <a:t>10/14/2019</a:t>
+                      </a:r>
+                      <a:endParaRPr lang="en-US" sz="900" b="0" i="0" u="none" strike="noStrike">
+                        <a:solidFill>
+                          <a:srgbClr val="000000"/>
+                        </a:solidFill>
+                        <a:effectLst/>
+                        <a:latin typeface="Calibri" panose="020F0502020204030204" pitchFamily="34" charset="0"/>
+                      </a:endParaRPr>
+                    </a:p>
+                  </a:txBody>
+                  <a:tcPr marL="7803" marR="7803" marT="7803" marB="0" anchor="ctr"/>
+                </a:tc>
+                <a:tc>
+                  <a:txBody>
+                    <a:bodyPr/>
+                    <a:lstStyle/>
+                    <a:p>
+                      <a:pPr algn="ctr" fontAlgn="ctr"/>
+                      <a:r>
+                        <a:rPr lang="en-US" sz="900" u="none" strike="noStrike">
+                          <a:effectLst/>
+                        </a:rPr>
+                        <a:t>10/20/2019</a:t>
+                      </a:r>
+                      <a:endParaRPr lang="en-US" sz="900" b="0" i="0" u="none" strike="noStrike">
+                        <a:solidFill>
+                          <a:srgbClr val="000000"/>
+                        </a:solidFill>
+                        <a:effectLst/>
+                        <a:latin typeface="Calibri" panose="020F0502020204030204" pitchFamily="34" charset="0"/>
+                      </a:endParaRPr>
+                    </a:p>
+                  </a:txBody>
+                  <a:tcPr marL="7803" marR="7803" marT="7803" marB="0" anchor="ctr"/>
+                </a:tc>
+                <a:tc>
+                  <a:txBody>
+                    <a:bodyPr/>
+                    <a:lstStyle/>
+                    <a:p>
+                      <a:pPr algn="ctr" fontAlgn="ctr"/>
+                      <a:r>
+                        <a:rPr lang="en-US" sz="900" u="none" strike="noStrike">
+                          <a:effectLst/>
+                        </a:rPr>
+                        <a:t>7</a:t>
+                      </a:r>
+                      <a:endParaRPr lang="en-US" sz="900" b="0" i="0" u="none" strike="noStrike">
+                        <a:solidFill>
+                          <a:srgbClr val="000000"/>
+                        </a:solidFill>
+                        <a:effectLst/>
+                        <a:latin typeface="Calibri" panose="020F0502020204030204" pitchFamily="34" charset="0"/>
+                      </a:endParaRPr>
+                    </a:p>
+                  </a:txBody>
+                  <a:tcPr marL="7803" marR="7803" marT="7803" marB="0" anchor="ctr"/>
+                </a:tc>
+                <a:extLst>
+                  <a:ext uri="{0D108BD9-81ED-4DB2-BD59-A6C34878D82A}">
+                    <a16:rowId xmlns:a16="http://schemas.microsoft.com/office/drawing/2014/main" val="4181320170"/>
+                  </a:ext>
+                </a:extLst>
+              </a:tr>
+              <a:tr h="143117">
+                <a:tc>
+                  <a:txBody>
+                    <a:bodyPr/>
+                    <a:lstStyle/>
+                    <a:p>
+                      <a:pPr algn="ctr" fontAlgn="ctr"/>
+                      <a:r>
+                        <a:rPr lang="en-US" sz="900" u="none" strike="noStrike">
+                          <a:effectLst/>
+                        </a:rPr>
+                        <a:t>2.3</a:t>
+                      </a:r>
+                      <a:endParaRPr lang="en-US" sz="900" b="0" i="0" u="none" strike="noStrike">
+                        <a:solidFill>
+                          <a:srgbClr val="000000"/>
+                        </a:solidFill>
+                        <a:effectLst/>
+                        <a:latin typeface="Calibri" panose="020F0502020204030204" pitchFamily="34" charset="0"/>
+                      </a:endParaRPr>
+                    </a:p>
+                  </a:txBody>
+                  <a:tcPr marL="7803" marR="7803" marT="7803" marB="0" anchor="ctr"/>
+                </a:tc>
+                <a:tc>
+                  <a:txBody>
+                    <a:bodyPr/>
+                    <a:lstStyle/>
+                    <a:p>
+                      <a:pPr algn="l" fontAlgn="ctr"/>
+                      <a:r>
+                        <a:rPr lang="en-US" sz="900" u="none" strike="noStrike">
+                          <a:effectLst/>
+                        </a:rPr>
+                        <a:t>Design</a:t>
+                      </a:r>
+                      <a:endParaRPr lang="en-US" sz="900" b="0" i="0" u="none" strike="noStrike">
+                        <a:solidFill>
+                          <a:srgbClr val="000000"/>
+                        </a:solidFill>
+                        <a:effectLst/>
+                        <a:latin typeface="Calibri" panose="020F0502020204030204" pitchFamily="34" charset="0"/>
+                      </a:endParaRPr>
+                    </a:p>
+                  </a:txBody>
+                  <a:tcPr marL="7803" marR="7803" marT="7803" marB="0" anchor="ctr"/>
+                </a:tc>
+                <a:tc>
+                  <a:txBody>
+                    <a:bodyPr/>
+                    <a:lstStyle/>
+                    <a:p>
+                      <a:pPr algn="l" fontAlgn="ctr"/>
+                      <a:r>
+                        <a:rPr lang="en-US" sz="900" u="none" strike="noStrike">
+                          <a:effectLst/>
+                        </a:rPr>
+                        <a:t>Define minimal viable product at each Dev. Stage.</a:t>
+                      </a:r>
+                      <a:endParaRPr lang="en-US" sz="900" b="0" i="0" u="none" strike="noStrike">
+                        <a:solidFill>
+                          <a:srgbClr val="000000"/>
+                        </a:solidFill>
+                        <a:effectLst/>
+                        <a:latin typeface="Calibri" panose="020F0502020204030204" pitchFamily="34" charset="0"/>
+                      </a:endParaRPr>
+                    </a:p>
+                  </a:txBody>
+                  <a:tcPr marL="7803" marR="7803" marT="7803" marB="0" anchor="ctr"/>
+                </a:tc>
+                <a:tc>
+                  <a:txBody>
+                    <a:bodyPr/>
+                    <a:lstStyle/>
+                    <a:p>
+                      <a:pPr algn="ctr" fontAlgn="ctr"/>
+                      <a:r>
+                        <a:rPr lang="en-US" sz="900" u="none" strike="noStrike">
+                          <a:effectLst/>
+                        </a:rPr>
+                        <a:t>T05</a:t>
+                      </a:r>
+                      <a:endParaRPr lang="en-US" sz="900" b="0" i="0" u="none" strike="noStrike">
+                        <a:solidFill>
+                          <a:srgbClr val="000000"/>
+                        </a:solidFill>
+                        <a:effectLst/>
+                        <a:latin typeface="Calibri" panose="020F0502020204030204" pitchFamily="34" charset="0"/>
+                      </a:endParaRPr>
+                    </a:p>
+                  </a:txBody>
+                  <a:tcPr marL="7803" marR="7803" marT="7803" marB="0" anchor="ctr"/>
+                </a:tc>
+                <a:tc>
+                  <a:txBody>
+                    <a:bodyPr/>
+                    <a:lstStyle/>
+                    <a:p>
+                      <a:pPr algn="ctr" fontAlgn="ctr"/>
+                      <a:r>
+                        <a:rPr lang="en-US" sz="900" u="none" strike="noStrike">
+                          <a:effectLst/>
+                        </a:rPr>
+                        <a:t>10/21/2019</a:t>
+                      </a:r>
+                      <a:endParaRPr lang="en-US" sz="900" b="0" i="0" u="none" strike="noStrike">
+                        <a:solidFill>
+                          <a:srgbClr val="000000"/>
+                        </a:solidFill>
+                        <a:effectLst/>
+                        <a:latin typeface="Calibri" panose="020F0502020204030204" pitchFamily="34" charset="0"/>
+                      </a:endParaRPr>
+                    </a:p>
+                  </a:txBody>
+                  <a:tcPr marL="7803" marR="7803" marT="7803" marB="0" anchor="ctr"/>
+                </a:tc>
+                <a:tc>
+                  <a:txBody>
+                    <a:bodyPr/>
+                    <a:lstStyle/>
+                    <a:p>
+                      <a:pPr algn="ctr" fontAlgn="ctr"/>
+                      <a:r>
+                        <a:rPr lang="en-US" sz="900" u="none" strike="noStrike">
+                          <a:effectLst/>
+                        </a:rPr>
+                        <a:t>10/27/2019</a:t>
+                      </a:r>
+                      <a:endParaRPr lang="en-US" sz="900" b="0" i="0" u="none" strike="noStrike">
+                        <a:solidFill>
+                          <a:srgbClr val="000000"/>
+                        </a:solidFill>
+                        <a:effectLst/>
+                        <a:latin typeface="Calibri" panose="020F0502020204030204" pitchFamily="34" charset="0"/>
+                      </a:endParaRPr>
+                    </a:p>
+                  </a:txBody>
+                  <a:tcPr marL="7803" marR="7803" marT="7803" marB="0" anchor="ctr"/>
+                </a:tc>
+                <a:tc>
+                  <a:txBody>
+                    <a:bodyPr/>
+                    <a:lstStyle/>
+                    <a:p>
+                      <a:pPr algn="ctr" fontAlgn="ctr"/>
+                      <a:r>
+                        <a:rPr lang="en-US" sz="900" u="none" strike="noStrike">
+                          <a:effectLst/>
+                        </a:rPr>
+                        <a:t>7</a:t>
+                      </a:r>
+                      <a:endParaRPr lang="en-US" sz="900" b="0" i="0" u="none" strike="noStrike">
+                        <a:solidFill>
+                          <a:srgbClr val="000000"/>
+                        </a:solidFill>
+                        <a:effectLst/>
+                        <a:latin typeface="Calibri" panose="020F0502020204030204" pitchFamily="34" charset="0"/>
+                      </a:endParaRPr>
+                    </a:p>
+                  </a:txBody>
+                  <a:tcPr marL="7803" marR="7803" marT="7803" marB="0" anchor="ctr"/>
+                </a:tc>
+                <a:extLst>
+                  <a:ext uri="{0D108BD9-81ED-4DB2-BD59-A6C34878D82A}">
+                    <a16:rowId xmlns:a16="http://schemas.microsoft.com/office/drawing/2014/main" val="158715942"/>
+                  </a:ext>
+                </a:extLst>
+              </a:tr>
+              <a:tr h="143117">
+                <a:tc>
+                  <a:txBody>
+                    <a:bodyPr/>
+                    <a:lstStyle/>
+                    <a:p>
+                      <a:pPr algn="ctr" fontAlgn="ctr"/>
+                      <a:r>
+                        <a:rPr lang="en-US" sz="900" u="none" strike="noStrike">
+                          <a:effectLst/>
+                        </a:rPr>
+                        <a:t>3</a:t>
+                      </a:r>
+                      <a:endParaRPr lang="en-US" sz="900" b="1" i="0" u="none" strike="noStrike">
+                        <a:solidFill>
+                          <a:srgbClr val="000000"/>
+                        </a:solidFill>
+                        <a:effectLst/>
+                        <a:latin typeface="Calibri" panose="020F0502020204030204" pitchFamily="34" charset="0"/>
+                      </a:endParaRPr>
+                    </a:p>
+                  </a:txBody>
+                  <a:tcPr marL="7803" marR="7803" marT="7803" marB="0" anchor="ctr"/>
+                </a:tc>
+                <a:tc>
+                  <a:txBody>
+                    <a:bodyPr/>
+                    <a:lstStyle/>
+                    <a:p>
+                      <a:pPr algn="l" fontAlgn="ctr"/>
+                      <a:r>
+                        <a:rPr lang="en-US" sz="900" u="none" strike="noStrike">
+                          <a:effectLst/>
+                        </a:rPr>
+                        <a:t>Implementation / Coding</a:t>
+                      </a:r>
+                      <a:endParaRPr lang="en-US" sz="900" b="1" i="0" u="none" strike="noStrike">
+                        <a:solidFill>
+                          <a:srgbClr val="000000"/>
+                        </a:solidFill>
+                        <a:effectLst/>
+                        <a:latin typeface="Calibri" panose="020F0502020204030204" pitchFamily="34" charset="0"/>
+                      </a:endParaRPr>
+                    </a:p>
+                  </a:txBody>
+                  <a:tcPr marL="7803" marR="7803" marT="7803" marB="0" anchor="ctr"/>
+                </a:tc>
+                <a:tc>
+                  <a:txBody>
+                    <a:bodyPr/>
+                    <a:lstStyle/>
+                    <a:p>
+                      <a:pPr algn="l" fontAlgn="ctr"/>
+                      <a:r>
+                        <a:rPr lang="en-US" sz="900" u="none" strike="noStrike">
+                          <a:effectLst/>
+                        </a:rPr>
+                        <a:t>Creating the product.</a:t>
+                      </a:r>
+                      <a:endParaRPr lang="en-US" sz="900" b="0" i="0" u="none" strike="noStrike">
+                        <a:solidFill>
+                          <a:srgbClr val="000000"/>
+                        </a:solidFill>
+                        <a:effectLst/>
+                        <a:latin typeface="Calibri" panose="020F0502020204030204" pitchFamily="34" charset="0"/>
+                      </a:endParaRPr>
+                    </a:p>
+                  </a:txBody>
+                  <a:tcPr marL="7803" marR="7803" marT="7803" marB="0" anchor="ctr"/>
+                </a:tc>
+                <a:tc>
+                  <a:txBody>
+                    <a:bodyPr/>
+                    <a:lstStyle/>
+                    <a:p>
+                      <a:pPr algn="ctr" fontAlgn="ctr"/>
+                      <a:endParaRPr lang="en-US" sz="900" b="0" i="0" u="none" strike="noStrike">
+                        <a:solidFill>
+                          <a:srgbClr val="000000"/>
+                        </a:solidFill>
+                        <a:effectLst/>
+                        <a:latin typeface="Calibri" panose="020F0502020204030204" pitchFamily="34" charset="0"/>
+                      </a:endParaRPr>
+                    </a:p>
+                  </a:txBody>
+                  <a:tcPr marL="7803" marR="7803" marT="7803" marB="0" anchor="ctr"/>
+                </a:tc>
+                <a:tc>
+                  <a:txBody>
+                    <a:bodyPr/>
+                    <a:lstStyle/>
+                    <a:p>
+                      <a:pPr algn="ctr" fontAlgn="ctr"/>
+                      <a:r>
+                        <a:rPr lang="en-US" sz="900" u="none" strike="noStrike">
+                          <a:effectLst/>
+                        </a:rPr>
+                        <a:t>10/28/2019</a:t>
+                      </a:r>
+                      <a:endParaRPr lang="en-US" sz="900" b="1" i="0" u="none" strike="noStrike">
+                        <a:solidFill>
+                          <a:srgbClr val="000000"/>
+                        </a:solidFill>
+                        <a:effectLst/>
+                        <a:latin typeface="Calibri" panose="020F0502020204030204" pitchFamily="34" charset="0"/>
+                      </a:endParaRPr>
+                    </a:p>
+                  </a:txBody>
+                  <a:tcPr marL="7803" marR="7803" marT="7803" marB="0" anchor="ctr"/>
+                </a:tc>
+                <a:tc>
+                  <a:txBody>
+                    <a:bodyPr/>
+                    <a:lstStyle/>
+                    <a:p>
+                      <a:pPr algn="ctr" fontAlgn="ctr"/>
+                      <a:r>
+                        <a:rPr lang="en-US" sz="900" u="none" strike="noStrike">
+                          <a:effectLst/>
+                        </a:rPr>
+                        <a:t>2/17/2019</a:t>
+                      </a:r>
+                      <a:endParaRPr lang="en-US" sz="900" b="1" i="0" u="none" strike="noStrike">
+                        <a:solidFill>
+                          <a:srgbClr val="000000"/>
+                        </a:solidFill>
+                        <a:effectLst/>
+                        <a:latin typeface="Calibri" panose="020F0502020204030204" pitchFamily="34" charset="0"/>
+                      </a:endParaRPr>
+                    </a:p>
+                  </a:txBody>
+                  <a:tcPr marL="7803" marR="7803" marT="7803" marB="0" anchor="ctr"/>
+                </a:tc>
+                <a:tc>
+                  <a:txBody>
+                    <a:bodyPr/>
+                    <a:lstStyle/>
+                    <a:p>
+                      <a:pPr algn="ctr" fontAlgn="ctr"/>
+                      <a:r>
+                        <a:rPr lang="en-US" sz="900" u="none" strike="noStrike">
+                          <a:effectLst/>
+                        </a:rPr>
+                        <a:t>70</a:t>
+                      </a:r>
+                      <a:endParaRPr lang="en-US" sz="900" b="1" i="0" u="none" strike="noStrike">
+                        <a:solidFill>
+                          <a:srgbClr val="000000"/>
+                        </a:solidFill>
+                        <a:effectLst/>
+                        <a:latin typeface="Calibri" panose="020F0502020204030204" pitchFamily="34" charset="0"/>
+                      </a:endParaRPr>
+                    </a:p>
+                  </a:txBody>
+                  <a:tcPr marL="7803" marR="7803" marT="7803" marB="0" anchor="ctr"/>
+                </a:tc>
+                <a:extLst>
+                  <a:ext uri="{0D108BD9-81ED-4DB2-BD59-A6C34878D82A}">
+                    <a16:rowId xmlns:a16="http://schemas.microsoft.com/office/drawing/2014/main" val="1933096895"/>
+                  </a:ext>
+                </a:extLst>
+              </a:tr>
+              <a:tr h="143117">
+                <a:tc>
+                  <a:txBody>
+                    <a:bodyPr/>
+                    <a:lstStyle/>
+                    <a:p>
+                      <a:pPr algn="ctr" fontAlgn="ctr"/>
+                      <a:r>
+                        <a:rPr lang="en-US" sz="900" u="none" strike="noStrike">
+                          <a:effectLst/>
+                        </a:rPr>
+                        <a:t>3.1</a:t>
+                      </a:r>
+                      <a:endParaRPr lang="en-US" sz="900" b="0" i="0" u="none" strike="noStrike">
+                        <a:solidFill>
+                          <a:srgbClr val="000000"/>
+                        </a:solidFill>
+                        <a:effectLst/>
+                        <a:latin typeface="Calibri" panose="020F0502020204030204" pitchFamily="34" charset="0"/>
+                      </a:endParaRPr>
+                    </a:p>
+                  </a:txBody>
+                  <a:tcPr marL="7803" marR="7803" marT="7803" marB="0" anchor="ctr"/>
+                </a:tc>
+                <a:tc>
+                  <a:txBody>
+                    <a:bodyPr/>
+                    <a:lstStyle/>
+                    <a:p>
+                      <a:pPr algn="l" fontAlgn="ctr"/>
+                      <a:r>
+                        <a:rPr lang="en-US" sz="900" u="none" strike="noStrike">
+                          <a:effectLst/>
+                        </a:rPr>
+                        <a:t>Packer Dev.</a:t>
+                      </a:r>
+                      <a:endParaRPr lang="en-US" sz="900" b="0" i="0" u="none" strike="noStrike">
+                        <a:solidFill>
+                          <a:srgbClr val="000000"/>
+                        </a:solidFill>
+                        <a:effectLst/>
+                        <a:latin typeface="Calibri" panose="020F0502020204030204" pitchFamily="34" charset="0"/>
+                      </a:endParaRPr>
+                    </a:p>
+                  </a:txBody>
+                  <a:tcPr marL="7803" marR="7803" marT="7803" marB="0" anchor="ctr"/>
+                </a:tc>
+                <a:tc>
+                  <a:txBody>
+                    <a:bodyPr/>
+                    <a:lstStyle/>
+                    <a:p>
+                      <a:pPr algn="l" fontAlgn="ctr"/>
+                      <a:r>
+                        <a:rPr lang="en-US" sz="900" u="none" strike="noStrike">
+                          <a:effectLst/>
+                        </a:rPr>
+                        <a:t>Build packer.</a:t>
+                      </a:r>
+                      <a:endParaRPr lang="en-US" sz="900" b="0" i="0" u="none" strike="noStrike">
+                        <a:solidFill>
+                          <a:srgbClr val="000000"/>
+                        </a:solidFill>
+                        <a:effectLst/>
+                        <a:latin typeface="Calibri" panose="020F0502020204030204" pitchFamily="34" charset="0"/>
+                      </a:endParaRPr>
+                    </a:p>
+                  </a:txBody>
+                  <a:tcPr marL="7803" marR="7803" marT="7803" marB="0" anchor="ctr"/>
+                </a:tc>
+                <a:tc>
+                  <a:txBody>
+                    <a:bodyPr/>
+                    <a:lstStyle/>
+                    <a:p>
+                      <a:pPr algn="ctr" fontAlgn="ctr"/>
+                      <a:r>
+                        <a:rPr lang="en-US" sz="900" u="none" strike="noStrike">
+                          <a:effectLst/>
+                        </a:rPr>
+                        <a:t>T06, T07, T11</a:t>
+                      </a:r>
+                      <a:endParaRPr lang="en-US" sz="900" b="0" i="0" u="none" strike="noStrike">
+                        <a:solidFill>
+                          <a:srgbClr val="000000"/>
+                        </a:solidFill>
+                        <a:effectLst/>
+                        <a:latin typeface="Calibri" panose="020F0502020204030204" pitchFamily="34" charset="0"/>
+                      </a:endParaRPr>
+                    </a:p>
+                  </a:txBody>
+                  <a:tcPr marL="7803" marR="7803" marT="7803" marB="0" anchor="ctr"/>
+                </a:tc>
+                <a:tc>
+                  <a:txBody>
+                    <a:bodyPr/>
+                    <a:lstStyle/>
+                    <a:p>
+                      <a:pPr algn="ctr" fontAlgn="ctr"/>
+                      <a:r>
+                        <a:rPr lang="en-US" sz="900" u="none" strike="noStrike">
+                          <a:effectLst/>
+                        </a:rPr>
+                        <a:t>10/28/2019</a:t>
+                      </a:r>
+                      <a:endParaRPr lang="en-US" sz="900" b="0" i="0" u="none" strike="noStrike">
+                        <a:solidFill>
+                          <a:srgbClr val="000000"/>
+                        </a:solidFill>
+                        <a:effectLst/>
+                        <a:latin typeface="Calibri" panose="020F0502020204030204" pitchFamily="34" charset="0"/>
+                      </a:endParaRPr>
+                    </a:p>
+                  </a:txBody>
+                  <a:tcPr marL="7803" marR="7803" marT="7803" marB="0" anchor="ctr"/>
+                </a:tc>
+                <a:tc>
+                  <a:txBody>
+                    <a:bodyPr/>
+                    <a:lstStyle/>
+                    <a:p>
+                      <a:pPr algn="ctr" fontAlgn="ctr"/>
+                      <a:r>
+                        <a:rPr lang="en-US" sz="900" u="none" strike="noStrike">
+                          <a:effectLst/>
+                        </a:rPr>
+                        <a:t>11/10/2019</a:t>
+                      </a:r>
+                      <a:endParaRPr lang="en-US" sz="900" b="0" i="0" u="none" strike="noStrike">
+                        <a:solidFill>
+                          <a:srgbClr val="000000"/>
+                        </a:solidFill>
+                        <a:effectLst/>
+                        <a:latin typeface="Calibri" panose="020F0502020204030204" pitchFamily="34" charset="0"/>
+                      </a:endParaRPr>
+                    </a:p>
+                  </a:txBody>
+                  <a:tcPr marL="7803" marR="7803" marT="7803" marB="0" anchor="ctr"/>
+                </a:tc>
+                <a:tc>
+                  <a:txBody>
+                    <a:bodyPr/>
+                    <a:lstStyle/>
+                    <a:p>
+                      <a:pPr algn="ctr" fontAlgn="ctr"/>
+                      <a:r>
+                        <a:rPr lang="en-US" sz="900" u="none" strike="noStrike">
+                          <a:effectLst/>
+                        </a:rPr>
+                        <a:t>14</a:t>
+                      </a:r>
+                      <a:endParaRPr lang="en-US" sz="900" b="0" i="0" u="none" strike="noStrike">
+                        <a:solidFill>
+                          <a:srgbClr val="000000"/>
+                        </a:solidFill>
+                        <a:effectLst/>
+                        <a:latin typeface="Calibri" panose="020F0502020204030204" pitchFamily="34" charset="0"/>
+                      </a:endParaRPr>
+                    </a:p>
+                  </a:txBody>
+                  <a:tcPr marL="7803" marR="7803" marT="7803" marB="0" anchor="ctr"/>
+                </a:tc>
+                <a:extLst>
+                  <a:ext uri="{0D108BD9-81ED-4DB2-BD59-A6C34878D82A}">
+                    <a16:rowId xmlns:a16="http://schemas.microsoft.com/office/drawing/2014/main" val="3770371218"/>
+                  </a:ext>
+                </a:extLst>
+              </a:tr>
+              <a:tr h="143117">
+                <a:tc>
+                  <a:txBody>
+                    <a:bodyPr/>
+                    <a:lstStyle/>
+                    <a:p>
+                      <a:pPr algn="ctr" fontAlgn="ctr"/>
+                      <a:r>
+                        <a:rPr lang="en-US" sz="900" u="none" strike="noStrike">
+                          <a:effectLst/>
+                        </a:rPr>
+                        <a:t>3.2</a:t>
+                      </a:r>
+                      <a:endParaRPr lang="en-US" sz="900" b="0" i="0" u="none" strike="noStrike">
+                        <a:solidFill>
+                          <a:srgbClr val="000000"/>
+                        </a:solidFill>
+                        <a:effectLst/>
+                        <a:latin typeface="Calibri" panose="020F0502020204030204" pitchFamily="34" charset="0"/>
+                      </a:endParaRPr>
+                    </a:p>
+                  </a:txBody>
+                  <a:tcPr marL="7803" marR="7803" marT="7803" marB="0" anchor="ctr"/>
+                </a:tc>
+                <a:tc>
+                  <a:txBody>
+                    <a:bodyPr/>
+                    <a:lstStyle/>
+                    <a:p>
+                      <a:pPr algn="l" fontAlgn="ctr"/>
+                      <a:r>
+                        <a:rPr lang="en-US" sz="900" u="none" strike="noStrike">
+                          <a:effectLst/>
+                        </a:rPr>
+                        <a:t>Loader Dev.</a:t>
+                      </a:r>
+                      <a:endParaRPr lang="en-US" sz="900" b="0" i="0" u="none" strike="noStrike">
+                        <a:solidFill>
+                          <a:srgbClr val="000000"/>
+                        </a:solidFill>
+                        <a:effectLst/>
+                        <a:latin typeface="Calibri" panose="020F0502020204030204" pitchFamily="34" charset="0"/>
+                      </a:endParaRPr>
+                    </a:p>
+                  </a:txBody>
+                  <a:tcPr marL="7803" marR="7803" marT="7803" marB="0" anchor="ctr"/>
+                </a:tc>
+                <a:tc>
+                  <a:txBody>
+                    <a:bodyPr/>
+                    <a:lstStyle/>
+                    <a:p>
+                      <a:pPr algn="l" fontAlgn="ctr"/>
+                      <a:r>
+                        <a:rPr lang="en-US" sz="900" u="none" strike="noStrike">
+                          <a:effectLst/>
+                        </a:rPr>
+                        <a:t>Build loader.</a:t>
+                      </a:r>
+                      <a:endParaRPr lang="en-US" sz="900" b="0" i="0" u="none" strike="noStrike">
+                        <a:solidFill>
+                          <a:srgbClr val="000000"/>
+                        </a:solidFill>
+                        <a:effectLst/>
+                        <a:latin typeface="Calibri" panose="020F0502020204030204" pitchFamily="34" charset="0"/>
+                      </a:endParaRPr>
+                    </a:p>
+                  </a:txBody>
+                  <a:tcPr marL="7803" marR="7803" marT="7803" marB="0" anchor="ctr"/>
+                </a:tc>
+                <a:tc>
+                  <a:txBody>
+                    <a:bodyPr/>
+                    <a:lstStyle/>
+                    <a:p>
+                      <a:pPr algn="ctr" fontAlgn="ctr"/>
+                      <a:r>
+                        <a:rPr lang="en-US" sz="900" u="none" strike="noStrike">
+                          <a:effectLst/>
+                        </a:rPr>
+                        <a:t>T08, T09, E04</a:t>
+                      </a:r>
+                      <a:endParaRPr lang="en-US" sz="900" b="0" i="0" u="none" strike="noStrike">
+                        <a:solidFill>
+                          <a:srgbClr val="000000"/>
+                        </a:solidFill>
+                        <a:effectLst/>
+                        <a:latin typeface="Calibri" panose="020F0502020204030204" pitchFamily="34" charset="0"/>
+                      </a:endParaRPr>
+                    </a:p>
+                  </a:txBody>
+                  <a:tcPr marL="7803" marR="7803" marT="7803" marB="0" anchor="ctr"/>
+                </a:tc>
+                <a:tc>
+                  <a:txBody>
+                    <a:bodyPr/>
+                    <a:lstStyle/>
+                    <a:p>
+                      <a:pPr algn="ctr" fontAlgn="ctr"/>
+                      <a:r>
+                        <a:rPr lang="en-US" sz="900" u="none" strike="noStrike">
+                          <a:effectLst/>
+                        </a:rPr>
+                        <a:t>11/11/2019</a:t>
+                      </a:r>
+                      <a:endParaRPr lang="en-US" sz="900" b="0" i="0" u="none" strike="noStrike">
+                        <a:solidFill>
+                          <a:srgbClr val="000000"/>
+                        </a:solidFill>
+                        <a:effectLst/>
+                        <a:latin typeface="Calibri" panose="020F0502020204030204" pitchFamily="34" charset="0"/>
+                      </a:endParaRPr>
+                    </a:p>
+                  </a:txBody>
+                  <a:tcPr marL="7803" marR="7803" marT="7803" marB="0" anchor="ctr"/>
+                </a:tc>
+                <a:tc>
+                  <a:txBody>
+                    <a:bodyPr/>
+                    <a:lstStyle/>
+                    <a:p>
+                      <a:pPr algn="ctr" fontAlgn="ctr"/>
+                      <a:r>
+                        <a:rPr lang="en-US" sz="900" u="none" strike="noStrike">
+                          <a:effectLst/>
+                        </a:rPr>
+                        <a:t>11/24/2019</a:t>
+                      </a:r>
+                      <a:endParaRPr lang="en-US" sz="900" b="0" i="0" u="none" strike="noStrike">
+                        <a:solidFill>
+                          <a:srgbClr val="000000"/>
+                        </a:solidFill>
+                        <a:effectLst/>
+                        <a:latin typeface="Calibri" panose="020F0502020204030204" pitchFamily="34" charset="0"/>
+                      </a:endParaRPr>
+                    </a:p>
+                  </a:txBody>
+                  <a:tcPr marL="7803" marR="7803" marT="7803" marB="0" anchor="ctr"/>
+                </a:tc>
+                <a:tc>
+                  <a:txBody>
+                    <a:bodyPr/>
+                    <a:lstStyle/>
+                    <a:p>
+                      <a:pPr algn="ctr" fontAlgn="ctr"/>
+                      <a:r>
+                        <a:rPr lang="en-US" sz="900" u="none" strike="noStrike">
+                          <a:effectLst/>
+                        </a:rPr>
+                        <a:t>14</a:t>
+                      </a:r>
+                      <a:endParaRPr lang="en-US" sz="900" b="0" i="0" u="none" strike="noStrike">
+                        <a:solidFill>
+                          <a:srgbClr val="000000"/>
+                        </a:solidFill>
+                        <a:effectLst/>
+                        <a:latin typeface="Calibri" panose="020F0502020204030204" pitchFamily="34" charset="0"/>
+                      </a:endParaRPr>
+                    </a:p>
+                  </a:txBody>
+                  <a:tcPr marL="7803" marR="7803" marT="7803" marB="0" anchor="ctr"/>
+                </a:tc>
+                <a:extLst>
+                  <a:ext uri="{0D108BD9-81ED-4DB2-BD59-A6C34878D82A}">
+                    <a16:rowId xmlns:a16="http://schemas.microsoft.com/office/drawing/2014/main" val="2650270193"/>
+                  </a:ext>
+                </a:extLst>
+              </a:tr>
+              <a:tr h="143117">
+                <a:tc>
+                  <a:txBody>
+                    <a:bodyPr/>
+                    <a:lstStyle/>
+                    <a:p>
+                      <a:pPr algn="ctr" fontAlgn="ctr"/>
+                      <a:r>
+                        <a:rPr lang="en-US" sz="900" u="none" strike="noStrike">
+                          <a:effectLst/>
+                        </a:rPr>
+                        <a:t>3.3</a:t>
+                      </a:r>
+                      <a:endParaRPr lang="en-US" sz="900" b="0" i="0" u="none" strike="noStrike">
+                        <a:solidFill>
+                          <a:srgbClr val="000000"/>
+                        </a:solidFill>
+                        <a:effectLst/>
+                        <a:latin typeface="Calibri" panose="020F0502020204030204" pitchFamily="34" charset="0"/>
+                      </a:endParaRPr>
+                    </a:p>
+                  </a:txBody>
+                  <a:tcPr marL="7803" marR="7803" marT="7803" marB="0" anchor="ctr"/>
+                </a:tc>
+                <a:tc>
+                  <a:txBody>
+                    <a:bodyPr/>
+                    <a:lstStyle/>
+                    <a:p>
+                      <a:pPr algn="l" fontAlgn="ctr"/>
+                      <a:r>
+                        <a:rPr lang="en-US" sz="900" u="none" strike="noStrike">
+                          <a:effectLst/>
+                        </a:rPr>
+                        <a:t>P/L Networking Dev.</a:t>
+                      </a:r>
+                      <a:endParaRPr lang="en-US" sz="900" b="0" i="0" u="none" strike="noStrike">
+                        <a:solidFill>
+                          <a:srgbClr val="000000"/>
+                        </a:solidFill>
+                        <a:effectLst/>
+                        <a:latin typeface="Calibri" panose="020F0502020204030204" pitchFamily="34" charset="0"/>
+                      </a:endParaRPr>
+                    </a:p>
+                  </a:txBody>
+                  <a:tcPr marL="7803" marR="7803" marT="7803" marB="0" anchor="ctr"/>
+                </a:tc>
+                <a:tc>
+                  <a:txBody>
+                    <a:bodyPr/>
+                    <a:lstStyle/>
+                    <a:p>
+                      <a:pPr algn="l" fontAlgn="ctr"/>
+                      <a:r>
+                        <a:rPr lang="en-US" sz="900" u="none" strike="noStrike">
+                          <a:effectLst/>
+                        </a:rPr>
+                        <a:t>Build networking for the packer to communicate with the loader.</a:t>
+                      </a:r>
+                      <a:endParaRPr lang="en-US" sz="900" b="0" i="0" u="none" strike="noStrike">
+                        <a:solidFill>
+                          <a:srgbClr val="000000"/>
+                        </a:solidFill>
+                        <a:effectLst/>
+                        <a:latin typeface="Calibri" panose="020F0502020204030204" pitchFamily="34" charset="0"/>
+                      </a:endParaRPr>
+                    </a:p>
+                  </a:txBody>
+                  <a:tcPr marL="7803" marR="7803" marT="7803" marB="0" anchor="ctr"/>
+                </a:tc>
+                <a:tc>
+                  <a:txBody>
+                    <a:bodyPr/>
+                    <a:lstStyle/>
+                    <a:p>
+                      <a:pPr algn="ctr" fontAlgn="ctr"/>
+                      <a:r>
+                        <a:rPr lang="en-US" sz="900" u="none" strike="noStrike">
+                          <a:effectLst/>
+                        </a:rPr>
+                        <a:t>T10, T12</a:t>
+                      </a:r>
+                      <a:endParaRPr lang="en-US" sz="900" b="0" i="0" u="none" strike="noStrike">
+                        <a:solidFill>
+                          <a:srgbClr val="000000"/>
+                        </a:solidFill>
+                        <a:effectLst/>
+                        <a:latin typeface="Calibri" panose="020F0502020204030204" pitchFamily="34" charset="0"/>
+                      </a:endParaRPr>
+                    </a:p>
+                  </a:txBody>
+                  <a:tcPr marL="7803" marR="7803" marT="7803" marB="0" anchor="ctr"/>
+                </a:tc>
+                <a:tc>
+                  <a:txBody>
+                    <a:bodyPr/>
+                    <a:lstStyle/>
+                    <a:p>
+                      <a:pPr algn="ctr" fontAlgn="ctr"/>
+                      <a:r>
+                        <a:rPr lang="en-US" sz="900" u="none" strike="noStrike">
+                          <a:effectLst/>
+                        </a:rPr>
+                        <a:t>11/25/2019</a:t>
+                      </a:r>
+                      <a:endParaRPr lang="en-US" sz="900" b="0" i="0" u="none" strike="noStrike">
+                        <a:solidFill>
+                          <a:srgbClr val="000000"/>
+                        </a:solidFill>
+                        <a:effectLst/>
+                        <a:latin typeface="Calibri" panose="020F0502020204030204" pitchFamily="34" charset="0"/>
+                      </a:endParaRPr>
+                    </a:p>
+                  </a:txBody>
+                  <a:tcPr marL="7803" marR="7803" marT="7803" marB="0" anchor="ctr"/>
+                </a:tc>
+                <a:tc>
+                  <a:txBody>
+                    <a:bodyPr/>
+                    <a:lstStyle/>
+                    <a:p>
+                      <a:pPr algn="ctr" fontAlgn="ctr"/>
+                      <a:r>
+                        <a:rPr lang="en-US" sz="900" u="none" strike="noStrike">
+                          <a:effectLst/>
+                        </a:rPr>
+                        <a:t>12/8/2019</a:t>
+                      </a:r>
+                      <a:endParaRPr lang="en-US" sz="900" b="0" i="0" u="none" strike="noStrike">
+                        <a:solidFill>
+                          <a:srgbClr val="000000"/>
+                        </a:solidFill>
+                        <a:effectLst/>
+                        <a:latin typeface="Calibri" panose="020F0502020204030204" pitchFamily="34" charset="0"/>
+                      </a:endParaRPr>
+                    </a:p>
+                  </a:txBody>
+                  <a:tcPr marL="7803" marR="7803" marT="7803" marB="0" anchor="ctr"/>
+                </a:tc>
+                <a:tc>
+                  <a:txBody>
+                    <a:bodyPr/>
+                    <a:lstStyle/>
+                    <a:p>
+                      <a:pPr algn="ctr" fontAlgn="ctr"/>
+                      <a:r>
+                        <a:rPr lang="en-US" sz="900" u="none" strike="noStrike">
+                          <a:effectLst/>
+                        </a:rPr>
+                        <a:t>14</a:t>
+                      </a:r>
+                      <a:endParaRPr lang="en-US" sz="900" b="0" i="0" u="none" strike="noStrike">
+                        <a:solidFill>
+                          <a:srgbClr val="000000"/>
+                        </a:solidFill>
+                        <a:effectLst/>
+                        <a:latin typeface="Calibri" panose="020F0502020204030204" pitchFamily="34" charset="0"/>
+                      </a:endParaRPr>
+                    </a:p>
+                  </a:txBody>
+                  <a:tcPr marL="7803" marR="7803" marT="7803" marB="0" anchor="ctr"/>
+                </a:tc>
+                <a:extLst>
+                  <a:ext uri="{0D108BD9-81ED-4DB2-BD59-A6C34878D82A}">
+                    <a16:rowId xmlns:a16="http://schemas.microsoft.com/office/drawing/2014/main" val="240123165"/>
+                  </a:ext>
+                </a:extLst>
+              </a:tr>
+              <a:tr h="143117">
+                <a:tc>
+                  <a:txBody>
+                    <a:bodyPr/>
+                    <a:lstStyle/>
+                    <a:p>
+                      <a:pPr algn="ctr" fontAlgn="ctr"/>
+                      <a:r>
+                        <a:rPr lang="en-US" sz="900" u="none" strike="noStrike">
+                          <a:effectLst/>
+                        </a:rPr>
+                        <a:t>3.4</a:t>
+                      </a:r>
+                      <a:endParaRPr lang="en-US" sz="900" b="0" i="0" u="none" strike="noStrike">
+                        <a:solidFill>
+                          <a:srgbClr val="000000"/>
+                        </a:solidFill>
+                        <a:effectLst/>
+                        <a:latin typeface="Calibri" panose="020F0502020204030204" pitchFamily="34" charset="0"/>
+                      </a:endParaRPr>
+                    </a:p>
+                  </a:txBody>
+                  <a:tcPr marL="7803" marR="7803" marT="7803" marB="0" anchor="ctr"/>
+                </a:tc>
+                <a:tc>
+                  <a:txBody>
+                    <a:bodyPr/>
+                    <a:lstStyle/>
+                    <a:p>
+                      <a:pPr algn="l" fontAlgn="ctr"/>
+                      <a:r>
+                        <a:rPr lang="en-US" sz="900" u="none" strike="noStrike">
+                          <a:effectLst/>
+                        </a:rPr>
+                        <a:t>P/L Networking Integration</a:t>
+                      </a:r>
+                      <a:endParaRPr lang="en-US" sz="900" b="0" i="0" u="none" strike="noStrike">
+                        <a:solidFill>
+                          <a:srgbClr val="000000"/>
+                        </a:solidFill>
+                        <a:effectLst/>
+                        <a:latin typeface="Calibri" panose="020F0502020204030204" pitchFamily="34" charset="0"/>
+                      </a:endParaRPr>
+                    </a:p>
+                  </a:txBody>
+                  <a:tcPr marL="7803" marR="7803" marT="7803" marB="0" anchor="ctr"/>
+                </a:tc>
+                <a:tc>
+                  <a:txBody>
+                    <a:bodyPr/>
+                    <a:lstStyle/>
+                    <a:p>
+                      <a:pPr algn="l" fontAlgn="ctr"/>
+                      <a:r>
+                        <a:rPr lang="en-US" sz="900" u="none" strike="noStrike">
+                          <a:effectLst/>
+                        </a:rPr>
+                        <a:t>Verification of previous development phases.</a:t>
+                      </a:r>
+                      <a:endParaRPr lang="en-US" sz="900" b="0" i="0" u="none" strike="noStrike">
+                        <a:solidFill>
+                          <a:srgbClr val="000000"/>
+                        </a:solidFill>
+                        <a:effectLst/>
+                        <a:latin typeface="Calibri" panose="020F0502020204030204" pitchFamily="34" charset="0"/>
+                      </a:endParaRPr>
+                    </a:p>
+                  </a:txBody>
+                  <a:tcPr marL="7803" marR="7803" marT="7803" marB="0" anchor="ctr"/>
+                </a:tc>
+                <a:tc rowSpan="8">
+                  <a:txBody>
+                    <a:bodyPr/>
+                    <a:lstStyle/>
+                    <a:p>
+                      <a:pPr algn="ctr" fontAlgn="ctr"/>
+                      <a:r>
+                        <a:rPr lang="en-US" sz="900" u="none" strike="noStrike">
+                          <a:effectLst/>
+                        </a:rPr>
+                        <a:t>TBD</a:t>
+                      </a:r>
+                      <a:endParaRPr lang="en-US" sz="900" b="0" i="0" u="none" strike="noStrike">
+                        <a:solidFill>
+                          <a:srgbClr val="000000"/>
+                        </a:solidFill>
+                        <a:effectLst/>
+                        <a:latin typeface="Calibri" panose="020F0502020204030204" pitchFamily="34" charset="0"/>
+                      </a:endParaRPr>
+                    </a:p>
+                  </a:txBody>
+                  <a:tcPr marL="7803" marR="7803" marT="7803" marB="0" anchor="ctr"/>
+                </a:tc>
+                <a:tc>
+                  <a:txBody>
+                    <a:bodyPr/>
+                    <a:lstStyle/>
+                    <a:p>
+                      <a:pPr algn="ctr" fontAlgn="ctr"/>
+                      <a:r>
+                        <a:rPr lang="en-US" sz="900" u="none" strike="noStrike">
+                          <a:effectLst/>
+                        </a:rPr>
+                        <a:t>1/20/2019</a:t>
+                      </a:r>
+                      <a:endParaRPr lang="en-US" sz="900" b="0" i="0" u="none" strike="noStrike">
+                        <a:solidFill>
+                          <a:srgbClr val="000000"/>
+                        </a:solidFill>
+                        <a:effectLst/>
+                        <a:latin typeface="Calibri" panose="020F0502020204030204" pitchFamily="34" charset="0"/>
+                      </a:endParaRPr>
+                    </a:p>
+                  </a:txBody>
+                  <a:tcPr marL="7803" marR="7803" marT="7803" marB="0" anchor="ctr"/>
+                </a:tc>
+                <a:tc>
+                  <a:txBody>
+                    <a:bodyPr/>
+                    <a:lstStyle/>
+                    <a:p>
+                      <a:pPr algn="ctr" fontAlgn="ctr"/>
+                      <a:r>
+                        <a:rPr lang="en-US" sz="900" u="none" strike="noStrike">
+                          <a:effectLst/>
+                        </a:rPr>
+                        <a:t>2/2/2019</a:t>
+                      </a:r>
+                      <a:endParaRPr lang="en-US" sz="900" b="0" i="0" u="none" strike="noStrike">
+                        <a:solidFill>
+                          <a:srgbClr val="000000"/>
+                        </a:solidFill>
+                        <a:effectLst/>
+                        <a:latin typeface="Calibri" panose="020F0502020204030204" pitchFamily="34" charset="0"/>
+                      </a:endParaRPr>
+                    </a:p>
+                  </a:txBody>
+                  <a:tcPr marL="7803" marR="7803" marT="7803" marB="0" anchor="ctr"/>
+                </a:tc>
+                <a:tc>
+                  <a:txBody>
+                    <a:bodyPr/>
+                    <a:lstStyle/>
+                    <a:p>
+                      <a:pPr algn="ctr" fontAlgn="ctr"/>
+                      <a:r>
+                        <a:rPr lang="en-US" sz="900" u="none" strike="noStrike">
+                          <a:effectLst/>
+                        </a:rPr>
+                        <a:t>14</a:t>
+                      </a:r>
+                      <a:endParaRPr lang="en-US" sz="900" b="0" i="0" u="none" strike="noStrike">
+                        <a:solidFill>
+                          <a:srgbClr val="000000"/>
+                        </a:solidFill>
+                        <a:effectLst/>
+                        <a:latin typeface="Calibri" panose="020F0502020204030204" pitchFamily="34" charset="0"/>
+                      </a:endParaRPr>
+                    </a:p>
+                  </a:txBody>
+                  <a:tcPr marL="7803" marR="7803" marT="7803" marB="0" anchor="ctr"/>
+                </a:tc>
+                <a:extLst>
+                  <a:ext uri="{0D108BD9-81ED-4DB2-BD59-A6C34878D82A}">
+                    <a16:rowId xmlns:a16="http://schemas.microsoft.com/office/drawing/2014/main" val="246430342"/>
+                  </a:ext>
+                </a:extLst>
+              </a:tr>
+              <a:tr h="143117">
+                <a:tc>
+                  <a:txBody>
+                    <a:bodyPr/>
+                    <a:lstStyle/>
+                    <a:p>
+                      <a:pPr algn="ctr" fontAlgn="ctr"/>
+                      <a:r>
+                        <a:rPr lang="en-US" sz="900" u="none" strike="noStrike">
+                          <a:effectLst/>
+                        </a:rPr>
+                        <a:t>3.5</a:t>
+                      </a:r>
+                      <a:endParaRPr lang="en-US" sz="900" b="0" i="0" u="none" strike="noStrike">
+                        <a:solidFill>
+                          <a:srgbClr val="000000"/>
+                        </a:solidFill>
+                        <a:effectLst/>
+                        <a:latin typeface="Calibri" panose="020F0502020204030204" pitchFamily="34" charset="0"/>
+                      </a:endParaRPr>
+                    </a:p>
+                  </a:txBody>
+                  <a:tcPr marL="7803" marR="7803" marT="7803" marB="0" anchor="ctr"/>
+                </a:tc>
+                <a:tc>
+                  <a:txBody>
+                    <a:bodyPr/>
+                    <a:lstStyle/>
+                    <a:p>
+                      <a:pPr algn="l" fontAlgn="ctr"/>
+                      <a:r>
+                        <a:rPr lang="en-US" sz="900" u="none" strike="noStrike">
+                          <a:effectLst/>
+                        </a:rPr>
+                        <a:t>Deployment Mechanism Dev.</a:t>
+                      </a:r>
+                      <a:endParaRPr lang="en-US" sz="900" b="0" i="0" u="none" strike="noStrike">
+                        <a:solidFill>
+                          <a:srgbClr val="000000"/>
+                        </a:solidFill>
+                        <a:effectLst/>
+                        <a:latin typeface="Calibri" panose="020F0502020204030204" pitchFamily="34" charset="0"/>
+                      </a:endParaRPr>
+                    </a:p>
+                  </a:txBody>
+                  <a:tcPr marL="7803" marR="7803" marT="7803" marB="0" anchor="ctr"/>
+                </a:tc>
+                <a:tc>
+                  <a:txBody>
+                    <a:bodyPr/>
+                    <a:lstStyle/>
+                    <a:p>
+                      <a:pPr algn="l" fontAlgn="ctr"/>
+                      <a:r>
+                        <a:rPr lang="en-US" sz="900" u="none" strike="noStrike">
+                          <a:effectLst/>
+                        </a:rPr>
+                        <a:t>Build basic modules for deploying the packer/loader.</a:t>
+                      </a:r>
+                      <a:endParaRPr lang="en-US" sz="900" b="0" i="0" u="none" strike="noStrike">
+                        <a:solidFill>
+                          <a:srgbClr val="000000"/>
+                        </a:solidFill>
+                        <a:effectLst/>
+                        <a:latin typeface="Calibri" panose="020F0502020204030204" pitchFamily="34" charset="0"/>
+                      </a:endParaRPr>
+                    </a:p>
+                  </a:txBody>
+                  <a:tcPr marL="7803" marR="7803" marT="7803" marB="0" anchor="ctr"/>
+                </a:tc>
+                <a:tc vMerge="1">
+                  <a:txBody>
+                    <a:bodyPr/>
+                    <a:lstStyle/>
+                    <a:p>
+                      <a:endParaRPr lang="en-US"/>
+                    </a:p>
+                  </a:txBody>
+                  <a:tcPr/>
+                </a:tc>
+                <a:tc>
+                  <a:txBody>
+                    <a:bodyPr/>
+                    <a:lstStyle/>
+                    <a:p>
+                      <a:pPr algn="ctr" fontAlgn="ctr"/>
+                      <a:r>
+                        <a:rPr lang="en-US" sz="900" u="none" strike="noStrike">
+                          <a:effectLst/>
+                        </a:rPr>
+                        <a:t>2/3/2019</a:t>
+                      </a:r>
+                      <a:endParaRPr lang="en-US" sz="900" b="0" i="0" u="none" strike="noStrike">
+                        <a:solidFill>
+                          <a:srgbClr val="000000"/>
+                        </a:solidFill>
+                        <a:effectLst/>
+                        <a:latin typeface="Calibri" panose="020F0502020204030204" pitchFamily="34" charset="0"/>
+                      </a:endParaRPr>
+                    </a:p>
+                  </a:txBody>
+                  <a:tcPr marL="7803" marR="7803" marT="7803" marB="0" anchor="ctr"/>
+                </a:tc>
+                <a:tc>
+                  <a:txBody>
+                    <a:bodyPr/>
+                    <a:lstStyle/>
+                    <a:p>
+                      <a:pPr algn="ctr" fontAlgn="ctr"/>
+                      <a:r>
+                        <a:rPr lang="en-US" sz="900" u="none" strike="noStrike">
+                          <a:effectLst/>
+                        </a:rPr>
+                        <a:t>2/16/2019</a:t>
+                      </a:r>
+                      <a:endParaRPr lang="en-US" sz="900" b="0" i="0" u="none" strike="noStrike">
+                        <a:solidFill>
+                          <a:srgbClr val="000000"/>
+                        </a:solidFill>
+                        <a:effectLst/>
+                        <a:latin typeface="Calibri" panose="020F0502020204030204" pitchFamily="34" charset="0"/>
+                      </a:endParaRPr>
+                    </a:p>
+                  </a:txBody>
+                  <a:tcPr marL="7803" marR="7803" marT="7803" marB="0" anchor="ctr"/>
+                </a:tc>
+                <a:tc>
+                  <a:txBody>
+                    <a:bodyPr/>
+                    <a:lstStyle/>
+                    <a:p>
+                      <a:pPr algn="ctr" fontAlgn="ctr"/>
+                      <a:r>
+                        <a:rPr lang="en-US" sz="900" u="none" strike="noStrike">
+                          <a:effectLst/>
+                        </a:rPr>
+                        <a:t>14</a:t>
+                      </a:r>
+                      <a:endParaRPr lang="en-US" sz="900" b="0" i="0" u="none" strike="noStrike">
+                        <a:solidFill>
+                          <a:srgbClr val="000000"/>
+                        </a:solidFill>
+                        <a:effectLst/>
+                        <a:latin typeface="Calibri" panose="020F0502020204030204" pitchFamily="34" charset="0"/>
+                      </a:endParaRPr>
+                    </a:p>
+                  </a:txBody>
+                  <a:tcPr marL="7803" marR="7803" marT="7803" marB="0" anchor="ctr"/>
+                </a:tc>
+                <a:extLst>
+                  <a:ext uri="{0D108BD9-81ED-4DB2-BD59-A6C34878D82A}">
+                    <a16:rowId xmlns:a16="http://schemas.microsoft.com/office/drawing/2014/main" val="2037664047"/>
+                  </a:ext>
+                </a:extLst>
+              </a:tr>
+              <a:tr h="143117">
+                <a:tc>
+                  <a:txBody>
+                    <a:bodyPr/>
+                    <a:lstStyle/>
+                    <a:p>
+                      <a:pPr algn="ctr" fontAlgn="ctr"/>
+                      <a:r>
+                        <a:rPr lang="en-US" sz="900" u="none" strike="noStrike">
+                          <a:effectLst/>
+                        </a:rPr>
+                        <a:t>4</a:t>
+                      </a:r>
+                      <a:endParaRPr lang="en-US" sz="900" b="1" i="0" u="none" strike="noStrike">
+                        <a:solidFill>
+                          <a:srgbClr val="000000"/>
+                        </a:solidFill>
+                        <a:effectLst/>
+                        <a:latin typeface="Calibri" panose="020F0502020204030204" pitchFamily="34" charset="0"/>
+                      </a:endParaRPr>
+                    </a:p>
+                  </a:txBody>
+                  <a:tcPr marL="7803" marR="7803" marT="7803" marB="0" anchor="ctr"/>
+                </a:tc>
+                <a:tc>
+                  <a:txBody>
+                    <a:bodyPr/>
+                    <a:lstStyle/>
+                    <a:p>
+                      <a:pPr algn="l" fontAlgn="ctr"/>
+                      <a:r>
+                        <a:rPr lang="en-US" sz="900" u="none" strike="noStrike">
+                          <a:effectLst/>
+                        </a:rPr>
+                        <a:t>Testing &amp; Quality Assurance (Q.A.)</a:t>
+                      </a:r>
+                      <a:endParaRPr lang="en-US" sz="900" b="1" i="0" u="none" strike="noStrike">
+                        <a:solidFill>
+                          <a:srgbClr val="000000"/>
+                        </a:solidFill>
+                        <a:effectLst/>
+                        <a:latin typeface="Calibri" panose="020F0502020204030204" pitchFamily="34" charset="0"/>
+                      </a:endParaRPr>
+                    </a:p>
+                  </a:txBody>
+                  <a:tcPr marL="7803" marR="7803" marT="7803" marB="0" anchor="ctr"/>
+                </a:tc>
+                <a:tc>
+                  <a:txBody>
+                    <a:bodyPr/>
+                    <a:lstStyle/>
+                    <a:p>
+                      <a:pPr algn="l" fontAlgn="ctr"/>
+                      <a:r>
+                        <a:rPr lang="en-US" sz="900" u="none" strike="noStrike">
+                          <a:effectLst/>
+                        </a:rPr>
+                        <a:t>Verifying the product performs as designed.</a:t>
+                      </a:r>
+                      <a:endParaRPr lang="en-US" sz="900" b="0" i="0" u="none" strike="noStrike">
+                        <a:solidFill>
+                          <a:srgbClr val="000000"/>
+                        </a:solidFill>
+                        <a:effectLst/>
+                        <a:latin typeface="Calibri" panose="020F0502020204030204" pitchFamily="34" charset="0"/>
+                      </a:endParaRPr>
+                    </a:p>
+                  </a:txBody>
+                  <a:tcPr marL="7803" marR="7803" marT="7803" marB="0" anchor="ctr"/>
+                </a:tc>
+                <a:tc vMerge="1">
+                  <a:txBody>
+                    <a:bodyPr/>
+                    <a:lstStyle/>
+                    <a:p>
+                      <a:endParaRPr lang="en-US"/>
+                    </a:p>
+                  </a:txBody>
+                  <a:tcPr/>
+                </a:tc>
+                <a:tc>
+                  <a:txBody>
+                    <a:bodyPr/>
+                    <a:lstStyle/>
+                    <a:p>
+                      <a:pPr algn="ctr" fontAlgn="ctr"/>
+                      <a:r>
+                        <a:rPr lang="en-US" sz="900" u="none" strike="noStrike">
+                          <a:effectLst/>
+                        </a:rPr>
+                        <a:t>2/17/2019</a:t>
+                      </a:r>
+                      <a:endParaRPr lang="en-US" sz="900" b="1" i="0" u="none" strike="noStrike">
+                        <a:solidFill>
+                          <a:srgbClr val="000000"/>
+                        </a:solidFill>
+                        <a:effectLst/>
+                        <a:latin typeface="Calibri" panose="020F0502020204030204" pitchFamily="34" charset="0"/>
+                      </a:endParaRPr>
+                    </a:p>
+                  </a:txBody>
+                  <a:tcPr marL="7803" marR="7803" marT="7803" marB="0" anchor="ctr"/>
+                </a:tc>
+                <a:tc>
+                  <a:txBody>
+                    <a:bodyPr/>
+                    <a:lstStyle/>
+                    <a:p>
+                      <a:pPr algn="ctr" fontAlgn="ctr"/>
+                      <a:r>
+                        <a:rPr lang="en-US" sz="900" u="none" strike="noStrike">
+                          <a:effectLst/>
+                        </a:rPr>
+                        <a:t>3/29/2019</a:t>
+                      </a:r>
+                      <a:endParaRPr lang="en-US" sz="900" b="1" i="0" u="none" strike="noStrike">
+                        <a:solidFill>
+                          <a:srgbClr val="000000"/>
+                        </a:solidFill>
+                        <a:effectLst/>
+                        <a:latin typeface="Calibri" panose="020F0502020204030204" pitchFamily="34" charset="0"/>
+                      </a:endParaRPr>
+                    </a:p>
+                  </a:txBody>
+                  <a:tcPr marL="7803" marR="7803" marT="7803" marB="0" anchor="ctr"/>
+                </a:tc>
+                <a:tc>
+                  <a:txBody>
+                    <a:bodyPr/>
+                    <a:lstStyle/>
+                    <a:p>
+                      <a:pPr algn="ctr" fontAlgn="ctr"/>
+                      <a:r>
+                        <a:rPr lang="en-US" sz="900" u="none" strike="noStrike">
+                          <a:effectLst/>
+                        </a:rPr>
+                        <a:t>35</a:t>
+                      </a:r>
+                      <a:endParaRPr lang="en-US" sz="900" b="1" i="0" u="none" strike="noStrike">
+                        <a:solidFill>
+                          <a:srgbClr val="000000"/>
+                        </a:solidFill>
+                        <a:effectLst/>
+                        <a:latin typeface="Calibri" panose="020F0502020204030204" pitchFamily="34" charset="0"/>
+                      </a:endParaRPr>
+                    </a:p>
+                  </a:txBody>
+                  <a:tcPr marL="7803" marR="7803" marT="7803" marB="0" anchor="ctr"/>
+                </a:tc>
+                <a:extLst>
+                  <a:ext uri="{0D108BD9-81ED-4DB2-BD59-A6C34878D82A}">
+                    <a16:rowId xmlns:a16="http://schemas.microsoft.com/office/drawing/2014/main" val="1476914095"/>
+                  </a:ext>
+                </a:extLst>
+              </a:tr>
+              <a:tr h="143117">
+                <a:tc>
+                  <a:txBody>
+                    <a:bodyPr/>
+                    <a:lstStyle/>
+                    <a:p>
+                      <a:pPr algn="ctr" fontAlgn="ctr"/>
+                      <a:r>
+                        <a:rPr lang="en-US" sz="900" u="none" strike="noStrike">
+                          <a:effectLst/>
+                        </a:rPr>
+                        <a:t>4.1</a:t>
+                      </a:r>
+                      <a:endParaRPr lang="en-US" sz="900" b="0" i="0" u="none" strike="noStrike">
+                        <a:solidFill>
+                          <a:srgbClr val="000000"/>
+                        </a:solidFill>
+                        <a:effectLst/>
+                        <a:latin typeface="Calibri" panose="020F0502020204030204" pitchFamily="34" charset="0"/>
+                      </a:endParaRPr>
+                    </a:p>
+                  </a:txBody>
+                  <a:tcPr marL="7803" marR="7803" marT="7803" marB="0" anchor="ctr"/>
+                </a:tc>
+                <a:tc>
+                  <a:txBody>
+                    <a:bodyPr/>
+                    <a:lstStyle/>
+                    <a:p>
+                      <a:pPr algn="l" fontAlgn="ctr"/>
+                      <a:r>
+                        <a:rPr lang="en-US" sz="900" u="none" strike="noStrike">
+                          <a:effectLst/>
+                        </a:rPr>
+                        <a:t>Packer Q.A.</a:t>
+                      </a:r>
+                      <a:endParaRPr lang="en-US" sz="900" b="0" i="0" u="none" strike="noStrike">
+                        <a:solidFill>
+                          <a:srgbClr val="000000"/>
+                        </a:solidFill>
+                        <a:effectLst/>
+                        <a:latin typeface="Calibri" panose="020F0502020204030204" pitchFamily="34" charset="0"/>
+                      </a:endParaRPr>
+                    </a:p>
+                  </a:txBody>
+                  <a:tcPr marL="7803" marR="7803" marT="7803" marB="0" anchor="ctr"/>
+                </a:tc>
+                <a:tc>
+                  <a:txBody>
+                    <a:bodyPr/>
+                    <a:lstStyle/>
+                    <a:p>
+                      <a:pPr algn="l" fontAlgn="ctr"/>
+                      <a:r>
+                        <a:rPr lang="en-US" sz="900" u="none" strike="noStrike">
+                          <a:effectLst/>
+                        </a:rPr>
+                        <a:t>Check packer performance.</a:t>
+                      </a:r>
+                      <a:endParaRPr lang="en-US" sz="900" b="0" i="0" u="none" strike="noStrike">
+                        <a:solidFill>
+                          <a:srgbClr val="000000"/>
+                        </a:solidFill>
+                        <a:effectLst/>
+                        <a:latin typeface="Calibri" panose="020F0502020204030204" pitchFamily="34" charset="0"/>
+                      </a:endParaRPr>
+                    </a:p>
+                  </a:txBody>
+                  <a:tcPr marL="7803" marR="7803" marT="7803" marB="0" anchor="ctr"/>
+                </a:tc>
+                <a:tc vMerge="1">
+                  <a:txBody>
+                    <a:bodyPr/>
+                    <a:lstStyle/>
+                    <a:p>
+                      <a:endParaRPr lang="en-US"/>
+                    </a:p>
+                  </a:txBody>
+                  <a:tcPr/>
+                </a:tc>
+                <a:tc>
+                  <a:txBody>
+                    <a:bodyPr/>
+                    <a:lstStyle/>
+                    <a:p>
+                      <a:pPr algn="ctr" fontAlgn="ctr"/>
+                      <a:r>
+                        <a:rPr lang="en-US" sz="900" u="none" strike="noStrike">
+                          <a:effectLst/>
+                        </a:rPr>
+                        <a:t>2/17/2019</a:t>
+                      </a:r>
+                      <a:endParaRPr lang="en-US" sz="900" b="0" i="0" u="none" strike="noStrike">
+                        <a:solidFill>
+                          <a:srgbClr val="000000"/>
+                        </a:solidFill>
+                        <a:effectLst/>
+                        <a:latin typeface="Calibri" panose="020F0502020204030204" pitchFamily="34" charset="0"/>
+                      </a:endParaRPr>
+                    </a:p>
+                  </a:txBody>
+                  <a:tcPr marL="7803" marR="7803" marT="7803" marB="0" anchor="ctr"/>
+                </a:tc>
+                <a:tc>
+                  <a:txBody>
+                    <a:bodyPr/>
+                    <a:lstStyle/>
+                    <a:p>
+                      <a:pPr algn="ctr" fontAlgn="ctr"/>
+                      <a:r>
+                        <a:rPr lang="en-US" sz="900" u="none" strike="noStrike">
+                          <a:effectLst/>
+                        </a:rPr>
+                        <a:t>2/23/2019</a:t>
+                      </a:r>
+                      <a:endParaRPr lang="en-US" sz="900" b="0" i="0" u="none" strike="noStrike">
+                        <a:solidFill>
+                          <a:srgbClr val="000000"/>
+                        </a:solidFill>
+                        <a:effectLst/>
+                        <a:latin typeface="Calibri" panose="020F0502020204030204" pitchFamily="34" charset="0"/>
+                      </a:endParaRPr>
+                    </a:p>
+                  </a:txBody>
+                  <a:tcPr marL="7803" marR="7803" marT="7803" marB="0" anchor="ctr"/>
+                </a:tc>
+                <a:tc>
+                  <a:txBody>
+                    <a:bodyPr/>
+                    <a:lstStyle/>
+                    <a:p>
+                      <a:pPr algn="ctr" fontAlgn="ctr"/>
+                      <a:r>
+                        <a:rPr lang="en-US" sz="900" u="none" strike="noStrike">
+                          <a:effectLst/>
+                        </a:rPr>
+                        <a:t>7</a:t>
+                      </a:r>
+                      <a:endParaRPr lang="en-US" sz="900" b="0" i="0" u="none" strike="noStrike">
+                        <a:solidFill>
+                          <a:srgbClr val="000000"/>
+                        </a:solidFill>
+                        <a:effectLst/>
+                        <a:latin typeface="Calibri" panose="020F0502020204030204" pitchFamily="34" charset="0"/>
+                      </a:endParaRPr>
+                    </a:p>
+                  </a:txBody>
+                  <a:tcPr marL="7803" marR="7803" marT="7803" marB="0" anchor="ctr"/>
+                </a:tc>
+                <a:extLst>
+                  <a:ext uri="{0D108BD9-81ED-4DB2-BD59-A6C34878D82A}">
+                    <a16:rowId xmlns:a16="http://schemas.microsoft.com/office/drawing/2014/main" val="546473684"/>
+                  </a:ext>
+                </a:extLst>
+              </a:tr>
+              <a:tr h="143117">
+                <a:tc>
+                  <a:txBody>
+                    <a:bodyPr/>
+                    <a:lstStyle/>
+                    <a:p>
+                      <a:pPr algn="ctr" fontAlgn="ctr"/>
+                      <a:r>
+                        <a:rPr lang="en-US" sz="900" u="none" strike="noStrike">
+                          <a:effectLst/>
+                        </a:rPr>
+                        <a:t>4.2</a:t>
+                      </a:r>
+                      <a:endParaRPr lang="en-US" sz="900" b="0" i="0" u="none" strike="noStrike">
+                        <a:solidFill>
+                          <a:srgbClr val="000000"/>
+                        </a:solidFill>
+                        <a:effectLst/>
+                        <a:latin typeface="Calibri" panose="020F0502020204030204" pitchFamily="34" charset="0"/>
+                      </a:endParaRPr>
+                    </a:p>
+                  </a:txBody>
+                  <a:tcPr marL="7803" marR="7803" marT="7803" marB="0" anchor="ctr"/>
+                </a:tc>
+                <a:tc>
+                  <a:txBody>
+                    <a:bodyPr/>
+                    <a:lstStyle/>
+                    <a:p>
+                      <a:pPr algn="l" fontAlgn="ctr"/>
+                      <a:r>
+                        <a:rPr lang="en-US" sz="900" u="none" strike="noStrike">
+                          <a:effectLst/>
+                        </a:rPr>
+                        <a:t>Loader Q.A.</a:t>
+                      </a:r>
+                      <a:endParaRPr lang="en-US" sz="900" b="0" i="0" u="none" strike="noStrike">
+                        <a:solidFill>
+                          <a:srgbClr val="000000"/>
+                        </a:solidFill>
+                        <a:effectLst/>
+                        <a:latin typeface="Calibri" panose="020F0502020204030204" pitchFamily="34" charset="0"/>
+                      </a:endParaRPr>
+                    </a:p>
+                  </a:txBody>
+                  <a:tcPr marL="7803" marR="7803" marT="7803" marB="0" anchor="ctr"/>
+                </a:tc>
+                <a:tc>
+                  <a:txBody>
+                    <a:bodyPr/>
+                    <a:lstStyle/>
+                    <a:p>
+                      <a:pPr algn="l" fontAlgn="ctr"/>
+                      <a:r>
+                        <a:rPr lang="en-US" sz="900" u="none" strike="noStrike">
+                          <a:effectLst/>
+                        </a:rPr>
+                        <a:t>Check loader performance.</a:t>
+                      </a:r>
+                      <a:endParaRPr lang="en-US" sz="900" b="0" i="0" u="none" strike="noStrike">
+                        <a:solidFill>
+                          <a:srgbClr val="000000"/>
+                        </a:solidFill>
+                        <a:effectLst/>
+                        <a:latin typeface="Calibri" panose="020F0502020204030204" pitchFamily="34" charset="0"/>
+                      </a:endParaRPr>
+                    </a:p>
+                  </a:txBody>
+                  <a:tcPr marL="7803" marR="7803" marT="7803" marB="0" anchor="ctr"/>
+                </a:tc>
+                <a:tc vMerge="1">
+                  <a:txBody>
+                    <a:bodyPr/>
+                    <a:lstStyle/>
+                    <a:p>
+                      <a:endParaRPr lang="en-US"/>
+                    </a:p>
+                  </a:txBody>
+                  <a:tcPr/>
+                </a:tc>
+                <a:tc>
+                  <a:txBody>
+                    <a:bodyPr/>
+                    <a:lstStyle/>
+                    <a:p>
+                      <a:pPr algn="ctr" fontAlgn="ctr"/>
+                      <a:r>
+                        <a:rPr lang="en-US" sz="900" u="none" strike="noStrike">
+                          <a:effectLst/>
+                        </a:rPr>
+                        <a:t>2/24/2019</a:t>
+                      </a:r>
+                      <a:endParaRPr lang="en-US" sz="900" b="0" i="0" u="none" strike="noStrike">
+                        <a:solidFill>
+                          <a:srgbClr val="000000"/>
+                        </a:solidFill>
+                        <a:effectLst/>
+                        <a:latin typeface="Calibri" panose="020F0502020204030204" pitchFamily="34" charset="0"/>
+                      </a:endParaRPr>
+                    </a:p>
+                  </a:txBody>
+                  <a:tcPr marL="7803" marR="7803" marT="7803" marB="0" anchor="ctr"/>
+                </a:tc>
+                <a:tc>
+                  <a:txBody>
+                    <a:bodyPr/>
+                    <a:lstStyle/>
+                    <a:p>
+                      <a:pPr algn="ctr" fontAlgn="ctr"/>
+                      <a:r>
+                        <a:rPr lang="en-US" sz="900" u="none" strike="noStrike">
+                          <a:effectLst/>
+                        </a:rPr>
+                        <a:t>3/1/2019</a:t>
+                      </a:r>
+                      <a:endParaRPr lang="en-US" sz="900" b="0" i="0" u="none" strike="noStrike">
+                        <a:solidFill>
+                          <a:srgbClr val="000000"/>
+                        </a:solidFill>
+                        <a:effectLst/>
+                        <a:latin typeface="Calibri" panose="020F0502020204030204" pitchFamily="34" charset="0"/>
+                      </a:endParaRPr>
+                    </a:p>
+                  </a:txBody>
+                  <a:tcPr marL="7803" marR="7803" marT="7803" marB="0" anchor="ctr"/>
+                </a:tc>
+                <a:tc>
+                  <a:txBody>
+                    <a:bodyPr/>
+                    <a:lstStyle/>
+                    <a:p>
+                      <a:pPr algn="ctr" fontAlgn="ctr"/>
+                      <a:r>
+                        <a:rPr lang="en-US" sz="900" u="none" strike="noStrike">
+                          <a:effectLst/>
+                        </a:rPr>
+                        <a:t>7</a:t>
+                      </a:r>
+                      <a:endParaRPr lang="en-US" sz="900" b="0" i="0" u="none" strike="noStrike">
+                        <a:solidFill>
+                          <a:srgbClr val="000000"/>
+                        </a:solidFill>
+                        <a:effectLst/>
+                        <a:latin typeface="Calibri" panose="020F0502020204030204" pitchFamily="34" charset="0"/>
+                      </a:endParaRPr>
+                    </a:p>
+                  </a:txBody>
+                  <a:tcPr marL="7803" marR="7803" marT="7803" marB="0" anchor="ctr"/>
+                </a:tc>
+                <a:extLst>
+                  <a:ext uri="{0D108BD9-81ED-4DB2-BD59-A6C34878D82A}">
+                    <a16:rowId xmlns:a16="http://schemas.microsoft.com/office/drawing/2014/main" val="2921705013"/>
+                  </a:ext>
+                </a:extLst>
+              </a:tr>
+              <a:tr h="143117">
+                <a:tc>
+                  <a:txBody>
+                    <a:bodyPr/>
+                    <a:lstStyle/>
+                    <a:p>
+                      <a:pPr algn="ctr" fontAlgn="ctr"/>
+                      <a:r>
+                        <a:rPr lang="en-US" sz="900" u="none" strike="noStrike">
+                          <a:effectLst/>
+                        </a:rPr>
+                        <a:t>4.3</a:t>
+                      </a:r>
+                      <a:endParaRPr lang="en-US" sz="900" b="0" i="0" u="none" strike="noStrike">
+                        <a:solidFill>
+                          <a:srgbClr val="000000"/>
+                        </a:solidFill>
+                        <a:effectLst/>
+                        <a:latin typeface="Calibri" panose="020F0502020204030204" pitchFamily="34" charset="0"/>
+                      </a:endParaRPr>
+                    </a:p>
+                  </a:txBody>
+                  <a:tcPr marL="7803" marR="7803" marT="7803" marB="0" anchor="ctr"/>
+                </a:tc>
+                <a:tc>
+                  <a:txBody>
+                    <a:bodyPr/>
+                    <a:lstStyle/>
+                    <a:p>
+                      <a:pPr algn="l" fontAlgn="ctr"/>
+                      <a:r>
+                        <a:rPr lang="en-US" sz="900" u="none" strike="noStrike">
+                          <a:effectLst/>
+                        </a:rPr>
+                        <a:t>Networking Integration Q.A.</a:t>
+                      </a:r>
+                      <a:endParaRPr lang="en-US" sz="900" b="0" i="0" u="none" strike="noStrike">
+                        <a:solidFill>
+                          <a:srgbClr val="000000"/>
+                        </a:solidFill>
+                        <a:effectLst/>
+                        <a:latin typeface="Calibri" panose="020F0502020204030204" pitchFamily="34" charset="0"/>
+                      </a:endParaRPr>
+                    </a:p>
+                  </a:txBody>
+                  <a:tcPr marL="7803" marR="7803" marT="7803" marB="0" anchor="ctr"/>
+                </a:tc>
+                <a:tc>
+                  <a:txBody>
+                    <a:bodyPr/>
+                    <a:lstStyle/>
+                    <a:p>
+                      <a:pPr algn="l" fontAlgn="ctr"/>
+                      <a:r>
+                        <a:rPr lang="en-US" sz="900" u="none" strike="noStrike">
+                          <a:effectLst/>
+                        </a:rPr>
+                        <a:t>Check network performance.</a:t>
+                      </a:r>
+                      <a:endParaRPr lang="en-US" sz="900" b="0" i="0" u="none" strike="noStrike">
+                        <a:solidFill>
+                          <a:srgbClr val="000000"/>
+                        </a:solidFill>
+                        <a:effectLst/>
+                        <a:latin typeface="Calibri" panose="020F0502020204030204" pitchFamily="34" charset="0"/>
+                      </a:endParaRPr>
+                    </a:p>
+                  </a:txBody>
+                  <a:tcPr marL="7803" marR="7803" marT="7803" marB="0" anchor="ctr"/>
+                </a:tc>
+                <a:tc vMerge="1">
+                  <a:txBody>
+                    <a:bodyPr/>
+                    <a:lstStyle/>
+                    <a:p>
+                      <a:endParaRPr lang="en-US"/>
+                    </a:p>
+                  </a:txBody>
+                  <a:tcPr/>
+                </a:tc>
+                <a:tc>
+                  <a:txBody>
+                    <a:bodyPr/>
+                    <a:lstStyle/>
+                    <a:p>
+                      <a:pPr algn="ctr" fontAlgn="ctr"/>
+                      <a:r>
+                        <a:rPr lang="en-US" sz="900" u="none" strike="noStrike">
+                          <a:effectLst/>
+                        </a:rPr>
+                        <a:t>3/2/2019</a:t>
+                      </a:r>
+                      <a:endParaRPr lang="en-US" sz="900" b="0" i="0" u="none" strike="noStrike">
+                        <a:solidFill>
+                          <a:srgbClr val="000000"/>
+                        </a:solidFill>
+                        <a:effectLst/>
+                        <a:latin typeface="Calibri" panose="020F0502020204030204" pitchFamily="34" charset="0"/>
+                      </a:endParaRPr>
+                    </a:p>
+                  </a:txBody>
+                  <a:tcPr marL="7803" marR="7803" marT="7803" marB="0" anchor="ctr"/>
+                </a:tc>
+                <a:tc>
+                  <a:txBody>
+                    <a:bodyPr/>
+                    <a:lstStyle/>
+                    <a:p>
+                      <a:pPr algn="ctr" fontAlgn="ctr"/>
+                      <a:r>
+                        <a:rPr lang="en-US" sz="900" u="none" strike="noStrike">
+                          <a:effectLst/>
+                        </a:rPr>
+                        <a:t>3/8/2019</a:t>
+                      </a:r>
+                      <a:endParaRPr lang="en-US" sz="900" b="0" i="0" u="none" strike="noStrike">
+                        <a:solidFill>
+                          <a:srgbClr val="000000"/>
+                        </a:solidFill>
+                        <a:effectLst/>
+                        <a:latin typeface="Calibri" panose="020F0502020204030204" pitchFamily="34" charset="0"/>
+                      </a:endParaRPr>
+                    </a:p>
+                  </a:txBody>
+                  <a:tcPr marL="7803" marR="7803" marT="7803" marB="0" anchor="ctr"/>
+                </a:tc>
+                <a:tc>
+                  <a:txBody>
+                    <a:bodyPr/>
+                    <a:lstStyle/>
+                    <a:p>
+                      <a:pPr algn="ctr" fontAlgn="ctr"/>
+                      <a:r>
+                        <a:rPr lang="en-US" sz="900" u="none" strike="noStrike">
+                          <a:effectLst/>
+                        </a:rPr>
+                        <a:t>7</a:t>
+                      </a:r>
+                      <a:endParaRPr lang="en-US" sz="900" b="0" i="0" u="none" strike="noStrike">
+                        <a:solidFill>
+                          <a:srgbClr val="000000"/>
+                        </a:solidFill>
+                        <a:effectLst/>
+                        <a:latin typeface="Calibri" panose="020F0502020204030204" pitchFamily="34" charset="0"/>
+                      </a:endParaRPr>
+                    </a:p>
+                  </a:txBody>
+                  <a:tcPr marL="7803" marR="7803" marT="7803" marB="0" anchor="ctr"/>
+                </a:tc>
+                <a:extLst>
+                  <a:ext uri="{0D108BD9-81ED-4DB2-BD59-A6C34878D82A}">
+                    <a16:rowId xmlns:a16="http://schemas.microsoft.com/office/drawing/2014/main" val="943739016"/>
+                  </a:ext>
+                </a:extLst>
+              </a:tr>
+              <a:tr h="143117">
+                <a:tc>
+                  <a:txBody>
+                    <a:bodyPr/>
+                    <a:lstStyle/>
+                    <a:p>
+                      <a:pPr algn="ctr" fontAlgn="ctr"/>
+                      <a:r>
+                        <a:rPr lang="en-US" sz="900" u="none" strike="noStrike">
+                          <a:effectLst/>
+                        </a:rPr>
+                        <a:t>4.4</a:t>
+                      </a:r>
+                      <a:endParaRPr lang="en-US" sz="900" b="0" i="0" u="none" strike="noStrike">
+                        <a:solidFill>
+                          <a:srgbClr val="000000"/>
+                        </a:solidFill>
+                        <a:effectLst/>
+                        <a:latin typeface="Calibri" panose="020F0502020204030204" pitchFamily="34" charset="0"/>
+                      </a:endParaRPr>
+                    </a:p>
+                  </a:txBody>
+                  <a:tcPr marL="7803" marR="7803" marT="7803" marB="0" anchor="ctr"/>
+                </a:tc>
+                <a:tc>
+                  <a:txBody>
+                    <a:bodyPr/>
+                    <a:lstStyle/>
+                    <a:p>
+                      <a:pPr algn="l" fontAlgn="ctr"/>
+                      <a:r>
+                        <a:rPr lang="en-US" sz="900" u="none" strike="noStrike">
+                          <a:effectLst/>
+                        </a:rPr>
+                        <a:t>Customer Deployment</a:t>
+                      </a:r>
+                      <a:endParaRPr lang="en-US" sz="900" b="0" i="0" u="none" strike="noStrike">
+                        <a:solidFill>
+                          <a:srgbClr val="000000"/>
+                        </a:solidFill>
+                        <a:effectLst/>
+                        <a:latin typeface="Calibri" panose="020F0502020204030204" pitchFamily="34" charset="0"/>
+                      </a:endParaRPr>
+                    </a:p>
+                  </a:txBody>
+                  <a:tcPr marL="7803" marR="7803" marT="7803" marB="0" anchor="ctr"/>
+                </a:tc>
+                <a:tc>
+                  <a:txBody>
+                    <a:bodyPr/>
+                    <a:lstStyle/>
+                    <a:p>
+                      <a:pPr algn="l" fontAlgn="ctr"/>
+                      <a:r>
+                        <a:rPr lang="en-US" sz="900" u="none" strike="noStrike">
+                          <a:effectLst/>
+                        </a:rPr>
+                        <a:t>Have customer deploy product in their enviornment for user testing.</a:t>
+                      </a:r>
+                      <a:endParaRPr lang="en-US" sz="900" b="0" i="0" u="none" strike="noStrike">
+                        <a:solidFill>
+                          <a:srgbClr val="000000"/>
+                        </a:solidFill>
+                        <a:effectLst/>
+                        <a:latin typeface="Calibri" panose="020F0502020204030204" pitchFamily="34" charset="0"/>
+                      </a:endParaRPr>
+                    </a:p>
+                  </a:txBody>
+                  <a:tcPr marL="7803" marR="7803" marT="7803" marB="0" anchor="ctr"/>
+                </a:tc>
+                <a:tc vMerge="1">
+                  <a:txBody>
+                    <a:bodyPr/>
+                    <a:lstStyle/>
+                    <a:p>
+                      <a:endParaRPr lang="en-US"/>
+                    </a:p>
+                  </a:txBody>
+                  <a:tcPr/>
+                </a:tc>
+                <a:tc>
+                  <a:txBody>
+                    <a:bodyPr/>
+                    <a:lstStyle/>
+                    <a:p>
+                      <a:pPr algn="ctr" fontAlgn="ctr"/>
+                      <a:r>
+                        <a:rPr lang="en-US" sz="900" u="none" strike="noStrike">
+                          <a:effectLst/>
+                        </a:rPr>
+                        <a:t>3/16/2019</a:t>
+                      </a:r>
+                      <a:endParaRPr lang="en-US" sz="900" b="0" i="0" u="none" strike="noStrike">
+                        <a:solidFill>
+                          <a:srgbClr val="000000"/>
+                        </a:solidFill>
+                        <a:effectLst/>
+                        <a:latin typeface="Calibri" panose="020F0502020204030204" pitchFamily="34" charset="0"/>
+                      </a:endParaRPr>
+                    </a:p>
+                  </a:txBody>
+                  <a:tcPr marL="7803" marR="7803" marT="7803" marB="0" anchor="ctr"/>
+                </a:tc>
+                <a:tc>
+                  <a:txBody>
+                    <a:bodyPr/>
+                    <a:lstStyle/>
+                    <a:p>
+                      <a:pPr algn="ctr" fontAlgn="ctr"/>
+                      <a:r>
+                        <a:rPr lang="en-US" sz="900" u="none" strike="noStrike">
+                          <a:effectLst/>
+                        </a:rPr>
+                        <a:t>3/22/2019</a:t>
+                      </a:r>
+                      <a:endParaRPr lang="en-US" sz="900" b="0" i="0" u="none" strike="noStrike">
+                        <a:solidFill>
+                          <a:srgbClr val="000000"/>
+                        </a:solidFill>
+                        <a:effectLst/>
+                        <a:latin typeface="Calibri" panose="020F0502020204030204" pitchFamily="34" charset="0"/>
+                      </a:endParaRPr>
+                    </a:p>
+                  </a:txBody>
+                  <a:tcPr marL="7803" marR="7803" marT="7803" marB="0" anchor="ctr"/>
+                </a:tc>
+                <a:tc>
+                  <a:txBody>
+                    <a:bodyPr/>
+                    <a:lstStyle/>
+                    <a:p>
+                      <a:pPr algn="ctr" fontAlgn="ctr"/>
+                      <a:r>
+                        <a:rPr lang="en-US" sz="900" u="none" strike="noStrike">
+                          <a:effectLst/>
+                        </a:rPr>
+                        <a:t>7</a:t>
+                      </a:r>
+                      <a:endParaRPr lang="en-US" sz="900" b="0" i="0" u="none" strike="noStrike">
+                        <a:solidFill>
+                          <a:srgbClr val="000000"/>
+                        </a:solidFill>
+                        <a:effectLst/>
+                        <a:latin typeface="Calibri" panose="020F0502020204030204" pitchFamily="34" charset="0"/>
+                      </a:endParaRPr>
+                    </a:p>
+                  </a:txBody>
+                  <a:tcPr marL="7803" marR="7803" marT="7803" marB="0" anchor="ctr"/>
+                </a:tc>
+                <a:extLst>
+                  <a:ext uri="{0D108BD9-81ED-4DB2-BD59-A6C34878D82A}">
+                    <a16:rowId xmlns:a16="http://schemas.microsoft.com/office/drawing/2014/main" val="3635911651"/>
+                  </a:ext>
+                </a:extLst>
+              </a:tr>
+              <a:tr h="143117">
+                <a:tc>
+                  <a:txBody>
+                    <a:bodyPr/>
+                    <a:lstStyle/>
+                    <a:p>
+                      <a:pPr algn="ctr" fontAlgn="ctr"/>
+                      <a:r>
+                        <a:rPr lang="en-US" sz="900" u="none" strike="noStrike">
+                          <a:effectLst/>
+                        </a:rPr>
+                        <a:t>4.5</a:t>
+                      </a:r>
+                      <a:endParaRPr lang="en-US" sz="900" b="0" i="0" u="none" strike="noStrike">
+                        <a:solidFill>
+                          <a:srgbClr val="000000"/>
+                        </a:solidFill>
+                        <a:effectLst/>
+                        <a:latin typeface="Calibri" panose="020F0502020204030204" pitchFamily="34" charset="0"/>
+                      </a:endParaRPr>
+                    </a:p>
+                  </a:txBody>
+                  <a:tcPr marL="7803" marR="7803" marT="7803" marB="0" anchor="ctr"/>
+                </a:tc>
+                <a:tc>
+                  <a:txBody>
+                    <a:bodyPr/>
+                    <a:lstStyle/>
+                    <a:p>
+                      <a:pPr algn="l" fontAlgn="ctr"/>
+                      <a:r>
+                        <a:rPr lang="en-US" sz="900" u="none" strike="noStrike">
+                          <a:effectLst/>
+                        </a:rPr>
+                        <a:t>Findal Development</a:t>
+                      </a:r>
+                      <a:endParaRPr lang="en-US" sz="900" b="0" i="0" u="none" strike="noStrike">
+                        <a:solidFill>
+                          <a:srgbClr val="000000"/>
+                        </a:solidFill>
+                        <a:effectLst/>
+                        <a:latin typeface="Calibri" panose="020F0502020204030204" pitchFamily="34" charset="0"/>
+                      </a:endParaRPr>
+                    </a:p>
+                  </a:txBody>
+                  <a:tcPr marL="7803" marR="7803" marT="7803" marB="0" anchor="ctr"/>
+                </a:tc>
+                <a:tc>
+                  <a:txBody>
+                    <a:bodyPr/>
+                    <a:lstStyle/>
+                    <a:p>
+                      <a:pPr algn="l" fontAlgn="ctr"/>
+                      <a:r>
+                        <a:rPr lang="en-US" sz="900" u="none" strike="noStrike">
+                          <a:effectLst/>
+                        </a:rPr>
+                        <a:t>Final touches and packaging and workflow to meet customer requests.</a:t>
+                      </a:r>
+                      <a:endParaRPr lang="en-US" sz="900" b="0" i="0" u="none" strike="noStrike">
+                        <a:solidFill>
+                          <a:srgbClr val="000000"/>
+                        </a:solidFill>
+                        <a:effectLst/>
+                        <a:latin typeface="Calibri" panose="020F0502020204030204" pitchFamily="34" charset="0"/>
+                      </a:endParaRPr>
+                    </a:p>
+                  </a:txBody>
+                  <a:tcPr marL="7803" marR="7803" marT="7803" marB="0" anchor="ctr"/>
+                </a:tc>
+                <a:tc vMerge="1">
+                  <a:txBody>
+                    <a:bodyPr/>
+                    <a:lstStyle/>
+                    <a:p>
+                      <a:endParaRPr lang="en-US"/>
+                    </a:p>
+                  </a:txBody>
+                  <a:tcPr/>
+                </a:tc>
+                <a:tc>
+                  <a:txBody>
+                    <a:bodyPr/>
+                    <a:lstStyle/>
+                    <a:p>
+                      <a:pPr algn="ctr" fontAlgn="ctr"/>
+                      <a:r>
+                        <a:rPr lang="en-US" sz="900" u="none" strike="noStrike">
+                          <a:effectLst/>
+                        </a:rPr>
+                        <a:t>3/23/2019</a:t>
+                      </a:r>
+                      <a:endParaRPr lang="en-US" sz="900" b="0" i="0" u="none" strike="noStrike">
+                        <a:solidFill>
+                          <a:srgbClr val="000000"/>
+                        </a:solidFill>
+                        <a:effectLst/>
+                        <a:latin typeface="Calibri" panose="020F0502020204030204" pitchFamily="34" charset="0"/>
+                      </a:endParaRPr>
+                    </a:p>
+                  </a:txBody>
+                  <a:tcPr marL="7803" marR="7803" marT="7803" marB="0" anchor="ctr"/>
+                </a:tc>
+                <a:tc>
+                  <a:txBody>
+                    <a:bodyPr/>
+                    <a:lstStyle/>
+                    <a:p>
+                      <a:pPr algn="ctr" fontAlgn="ctr"/>
+                      <a:r>
+                        <a:rPr lang="en-US" sz="900" u="none" strike="noStrike">
+                          <a:effectLst/>
+                        </a:rPr>
+                        <a:t>3/29/2019</a:t>
+                      </a:r>
+                      <a:endParaRPr lang="en-US" sz="900" b="0" i="0" u="none" strike="noStrike">
+                        <a:solidFill>
+                          <a:srgbClr val="000000"/>
+                        </a:solidFill>
+                        <a:effectLst/>
+                        <a:latin typeface="Calibri" panose="020F0502020204030204" pitchFamily="34" charset="0"/>
+                      </a:endParaRPr>
+                    </a:p>
+                  </a:txBody>
+                  <a:tcPr marL="7803" marR="7803" marT="7803" marB="0" anchor="ctr"/>
+                </a:tc>
+                <a:tc>
+                  <a:txBody>
+                    <a:bodyPr/>
+                    <a:lstStyle/>
+                    <a:p>
+                      <a:pPr algn="ctr" fontAlgn="ctr"/>
+                      <a:r>
+                        <a:rPr lang="en-US" sz="900" u="none" strike="noStrike">
+                          <a:effectLst/>
+                        </a:rPr>
+                        <a:t>14</a:t>
+                      </a:r>
+                      <a:endParaRPr lang="en-US" sz="900" b="0" i="0" u="none" strike="noStrike">
+                        <a:solidFill>
+                          <a:srgbClr val="000000"/>
+                        </a:solidFill>
+                        <a:effectLst/>
+                        <a:latin typeface="Calibri" panose="020F0502020204030204" pitchFamily="34" charset="0"/>
+                      </a:endParaRPr>
+                    </a:p>
+                  </a:txBody>
+                  <a:tcPr marL="7803" marR="7803" marT="7803" marB="0" anchor="ctr"/>
+                </a:tc>
+                <a:extLst>
+                  <a:ext uri="{0D108BD9-81ED-4DB2-BD59-A6C34878D82A}">
+                    <a16:rowId xmlns:a16="http://schemas.microsoft.com/office/drawing/2014/main" val="167842346"/>
+                  </a:ext>
+                </a:extLst>
+              </a:tr>
+            </a:tbl>
+          </a:graphicData>
+        </a:graphic>
+      </p:graphicFrame>
+      <p:sp>
+        <p:nvSpPr>
+          <p:cNvPr id="6" name="Footer Placeholder 5">
+            <a:extLst>
+              <a:ext uri="{FF2B5EF4-FFF2-40B4-BE49-F238E27FC236}">
+                <a16:creationId xmlns:a16="http://schemas.microsoft.com/office/drawing/2014/main" id="{A23D8548-033B-4F8C-A398-8EB89B7F9031}"/>
+              </a:ext>
+            </a:extLst>
+          </p:cNvPr>
+          <p:cNvSpPr>
+            <a:spLocks noGrp="1"/>
+          </p:cNvSpPr>
+          <p:nvPr>
+            <p:ph type="ftr" sz="quarter" idx="11"/>
+          </p:nvPr>
+        </p:nvSpPr>
+        <p:spPr/>
+        <p:txBody>
+          <a:bodyPr/>
+          <a:lstStyle/>
+          <a:p>
+            <a:endParaRPr lang="en-US">
+              <a:solidFill>
+                <a:prstClr val="black">
+                  <a:tint val="75000"/>
+                </a:prstClr>
+              </a:solidFill>
+              <a:latin typeface="Calibri"/>
+            </a:endParaRPr>
+          </a:p>
+          <a:p>
+            <a:endParaRPr lang="en-US">
+              <a:solidFill>
+                <a:prstClr val="black">
+                  <a:tint val="75000"/>
+                </a:prstClr>
+              </a:solidFill>
+              <a:latin typeface="Calibri"/>
+            </a:endParaRPr>
           </a:p>
         </p:txBody>
       </p:sp>
@@ -2775,66 +6311,6 @@
       </p:grpSpPr>
       <p:sp>
         <p:nvSpPr>
-          <p:cNvPr id="3" name="Content Placeholder 2"/>
-          <p:cNvSpPr>
-            <a:spLocks noGrp="1"/>
-          </p:cNvSpPr>
-          <p:nvPr>
-            <p:ph idx="1"/>
-          </p:nvPr>
-        </p:nvSpPr>
-        <p:spPr>
-          <a:xfrm>
-            <a:off x="790759" y="2954868"/>
-            <a:ext cx="7035042" cy="534262"/>
-          </a:xfrm>
-        </p:spPr>
-        <p:txBody>
-          <a:bodyPr>
-            <a:normAutofit fontScale="62500" lnSpcReduction="20000"/>
-          </a:bodyPr>
-          <a:lstStyle/>
-          <a:p>
-            <a:pPr marL="0" indent="0">
-              <a:buNone/>
-            </a:pPr>
-            <a:r>
-              <a:rPr lang="en-US" sz="2400" i="1" dirty="0">
-                <a:solidFill>
-                  <a:srgbClr val="0000FF"/>
-                </a:solidFill>
-              </a:rPr>
-              <a:t>(Insert proposal schedule </a:t>
-            </a:r>
-            <a:r>
-              <a:rPr lang="en-US" sz="2400" i="1" dirty="0" err="1">
-                <a:solidFill>
-                  <a:srgbClr val="0000FF"/>
-                </a:solidFill>
-              </a:rPr>
-              <a:t>gant</a:t>
-            </a:r>
-            <a:r>
-              <a:rPr lang="en-US" sz="2400" i="1" dirty="0">
-                <a:solidFill>
-                  <a:srgbClr val="0000FF"/>
-                </a:solidFill>
-              </a:rPr>
-              <a:t> chart here and provide status-&gt; </a:t>
-            </a:r>
-            <a:r>
-              <a:rPr lang="en-US" sz="2400" i="1" dirty="0">
-                <a:solidFill>
-                  <a:srgbClr val="FF0000"/>
-                </a:solidFill>
-              </a:rPr>
-              <a:t>DRAW VERTICAL LINE AT SUBMITAL DATE AND ADD COMMENTS AS TO BEHIND OR AHEAD OF SCHEDULE  ) </a:t>
-            </a:r>
-          </a:p>
-        </p:txBody>
-      </p:sp>
-      <p:sp>
-        <p:nvSpPr>
           <p:cNvPr id="5" name="Rectangle 4"/>
           <p:cNvSpPr/>
           <p:nvPr/>
@@ -2855,7 +6331,7 @@
           <a:lstStyle/>
           <a:p>
             <a:r>
-              <a:rPr lang="en-US" sz="3600" dirty="0"/>
+              <a:rPr lang="en-US" sz="3600"/>
               <a:t>Schedule</a:t>
             </a:r>
           </a:p>
@@ -2870,7 +6346,7 @@
         <p:spPr>
           <a:xfrm>
             <a:off x="6401348" y="741744"/>
-            <a:ext cx="1840844" cy="369332"/>
+            <a:ext cx="1739772" cy="369332"/>
           </a:xfrm>
           <a:prstGeom prst="rect">
             <a:avLst/>
@@ -2884,9 +6360,132 @@
           <a:lstStyle/>
           <a:p>
             <a:r>
-              <a:rPr lang="en-US" dirty="0"/>
-              <a:t>Date:__________</a:t>
-            </a:r>
+              <a:rPr lang="en-US"/>
+              <a:t>Date: </a:t>
+            </a:r>
+            <a:r>
+              <a:rPr lang="en-US" u="sng"/>
+              <a:t>11/3/2019</a:t>
+            </a:r>
+            <a:endParaRPr lang="en-US"/>
+          </a:p>
+        </p:txBody>
+      </p:sp>
+      <p:pic>
+        <p:nvPicPr>
+          <p:cNvPr id="2" name="Picture 1">
+            <a:extLst>
+              <a:ext uri="{FF2B5EF4-FFF2-40B4-BE49-F238E27FC236}">
+                <a16:creationId xmlns:a16="http://schemas.microsoft.com/office/drawing/2014/main" id="{D68F1AA1-D1E0-47D7-B52C-DA63F5AE9A4E}"/>
+              </a:ext>
+            </a:extLst>
+          </p:cNvPr>
+          <p:cNvPicPr>
+            <a:picLocks noChangeAspect="1"/>
+          </p:cNvPicPr>
+          <p:nvPr/>
+        </p:nvPicPr>
+        <p:blipFill>
+          <a:blip r:embed="rId2"/>
+          <a:stretch>
+            <a:fillRect/>
+          </a:stretch>
+        </p:blipFill>
+        <p:spPr>
+          <a:xfrm>
+            <a:off x="113016" y="1736870"/>
+            <a:ext cx="8680618" cy="2794784"/>
+          </a:xfrm>
+          <a:prstGeom prst="rect">
+            <a:avLst/>
+          </a:prstGeom>
+        </p:spPr>
+      </p:pic>
+      <p:sp>
+        <p:nvSpPr>
+          <p:cNvPr id="6" name="TextBox 5">
+            <a:extLst>
+              <a:ext uri="{FF2B5EF4-FFF2-40B4-BE49-F238E27FC236}">
+                <a16:creationId xmlns:a16="http://schemas.microsoft.com/office/drawing/2014/main" id="{58479325-3A83-4971-B36A-F27DBA6DEDD6}"/>
+              </a:ext>
+            </a:extLst>
+          </p:cNvPr>
+          <p:cNvSpPr txBox="1"/>
+          <p:nvPr/>
+        </p:nvSpPr>
+        <p:spPr>
+          <a:xfrm>
+            <a:off x="177454" y="4641683"/>
+            <a:ext cx="5622839" cy="646331"/>
+          </a:xfrm>
+          <a:prstGeom prst="rect">
+            <a:avLst/>
+          </a:prstGeom>
+          <a:noFill/>
+        </p:spPr>
+        <p:txBody>
+          <a:bodyPr wrap="square" rtlCol="0" anchor="t">
+            <a:spAutoFit/>
+          </a:bodyPr>
+          <a:lstStyle/>
+          <a:p>
+            <a:r>
+              <a:rPr lang="en-US"/>
+              <a:t>Comments:</a:t>
+            </a:r>
+            <a:endParaRPr lang="en-US">
+              <a:cs typeface="Calibri"/>
+            </a:endParaRPr>
+          </a:p>
+          <a:p>
+            <a:r>
+              <a:rPr lang="en-US">
+                <a:cs typeface="Calibri"/>
+              </a:rPr>
+              <a:t> - Project is on schedule; we have started implementation</a:t>
+            </a:r>
+          </a:p>
+        </p:txBody>
+      </p:sp>
+      <p:sp>
+        <p:nvSpPr>
+          <p:cNvPr id="3" name="Footer Placeholder 2">
+            <a:extLst>
+              <a:ext uri="{FF2B5EF4-FFF2-40B4-BE49-F238E27FC236}">
+                <a16:creationId xmlns:a16="http://schemas.microsoft.com/office/drawing/2014/main" id="{929DABEB-8E06-43EF-95BC-87D6062BB390}"/>
+              </a:ext>
+            </a:extLst>
+          </p:cNvPr>
+          <p:cNvSpPr>
+            <a:spLocks noGrp="1"/>
+          </p:cNvSpPr>
+          <p:nvPr>
+            <p:ph type="ftr" sz="quarter" idx="11"/>
+          </p:nvPr>
+        </p:nvSpPr>
+        <p:spPr/>
+        <p:txBody>
+          <a:bodyPr/>
+          <a:lstStyle/>
+          <a:p>
+            <a:endParaRPr lang="en-US">
+              <a:solidFill>
+                <a:prstClr val="black">
+                  <a:tint val="75000"/>
+                </a:prstClr>
+              </a:solidFill>
+              <a:latin typeface="Calibri"/>
+            </a:endParaRPr>
+          </a:p>
+          <a:p>
+            <a:endParaRPr lang="en-US">
+              <a:solidFill>
+                <a:prstClr val="black">
+                  <a:tint val="75000"/>
+                </a:prstClr>
+              </a:solidFill>
+              <a:latin typeface="Calibri"/>
+            </a:endParaRPr>
           </a:p>
         </p:txBody>
       </p:sp>
@@ -2929,29 +6528,29 @@
           <p:nvPr>
             <p:extLst>
               <p:ext uri="{D42A27DB-BD31-4B8C-83A1-F6EECF244321}">
-                <p14:modId xmlns:p14="http://schemas.microsoft.com/office/powerpoint/2010/main" val="1926742296"/>
+                <p14:modId xmlns:p14="http://schemas.microsoft.com/office/powerpoint/2010/main" val="3705131433"/>
               </p:ext>
             </p:extLst>
           </p:nvPr>
         </p:nvGraphicFramePr>
         <p:xfrm>
-          <a:off x="280977" y="1665816"/>
-          <a:ext cx="8462060" cy="4386965"/>
+          <a:off x="280988" y="1501775"/>
+          <a:ext cx="8466137" cy="4927600"/>
         </p:xfrm>
         <a:graphic>
           <a:graphicData uri="http://schemas.openxmlformats.org/presentationml/2006/ole">
             <mc:AlternateContent xmlns:mc="http://schemas.openxmlformats.org/markup-compatibility/2006">
               <mc:Choice xmlns:v="urn:schemas-microsoft-com:vml" Requires="v">
-                <p:oleObj spid="_x0000_s2086" name="Worksheet" r:id="rId3" imgW="5168900" imgH="2679700" progId="Excel.Sheet.12">
+                <p:oleObj spid="_x0000_s11268" name="Worksheet" r:id="rId3" imgW="5172130" imgH="3009988" progId="Excel.Sheet.12">
                   <p:embed/>
                 </p:oleObj>
               </mc:Choice>
               <mc:Fallback>
-                <p:oleObj name="Worksheet" r:id="rId3" imgW="5168900" imgH="2679700" progId="Excel.Sheet.12">
+                <p:oleObj name="Worksheet" r:id="rId3" imgW="5172130" imgH="3009988" progId="Excel.Sheet.12">
                   <p:embed/>
                   <p:pic>
                     <p:nvPicPr>
-                      <p:cNvPr id="0" name=""/>
+                      <p:cNvPr id="6" name="Object 5"/>
                       <p:cNvPicPr/>
                       <p:nvPr/>
                     </p:nvPicPr>
@@ -2963,8 +6562,8 @@
                     </p:blipFill>
                     <p:spPr>
                       <a:xfrm>
-                        <a:off x="280977" y="1665816"/>
-                        <a:ext cx="8462060" cy="4386965"/>
+                        <a:off x="280988" y="1501775"/>
+                        <a:ext cx="8466137" cy="4927600"/>
                       </a:xfrm>
                       <a:prstGeom prst="rect">
                         <a:avLst/>
@@ -3001,70 +6600,16 @@
           <a:p>
             <a:pPr algn="l"/>
             <a:r>
-              <a:rPr lang="en-US" sz="3200" u="sng" dirty="0"/>
+              <a:rPr lang="en-US" sz="3200" u="sng"/>
               <a:t>Customer Satisfaction Survey</a:t>
             </a:r>
             <a:r>
-              <a:rPr lang="en-US" sz="3200" dirty="0"/>
+              <a:rPr lang="en-US" sz="3200"/>
               <a:t>     </a:t>
             </a:r>
             <a:r>
-              <a:rPr lang="en-US" sz="3200" u="sng" dirty="0"/>
+              <a:rPr lang="en-US" sz="3200" u="sng"/>
               <a:t>Date:</a:t>
-            </a:r>
-          </a:p>
-        </p:txBody>
-      </p:sp>
-      <p:sp>
-        <p:nvSpPr>
-          <p:cNvPr id="5" name="TextBox 4"/>
-          <p:cNvSpPr txBox="1"/>
-          <p:nvPr/>
-        </p:nvSpPr>
-        <p:spPr>
-          <a:xfrm>
-            <a:off x="5258340" y="4852453"/>
-            <a:ext cx="2489532" cy="1477328"/>
-          </a:xfrm>
-          <a:prstGeom prst="rect">
-            <a:avLst/>
-          </a:prstGeom>
-          <a:noFill/>
-        </p:spPr>
-        <p:txBody>
-          <a:bodyPr wrap="square" rtlCol="0">
-            <a:spAutoFit/>
-          </a:bodyPr>
-          <a:lstStyle/>
-          <a:p>
-            <a:r>
-              <a:rPr lang="en-US" i="1" dirty="0">
-                <a:solidFill>
-                  <a:srgbClr val="0000FF"/>
-                </a:solidFill>
-                <a:latin typeface="Calibri"/>
-              </a:rPr>
-              <a:t>(Customer to provide this information</a:t>
-            </a:r>
-          </a:p>
-          <a:p>
-            <a:r>
-              <a:rPr lang="en-US" b="1" i="1" dirty="0">
-                <a:solidFill>
-                  <a:srgbClr val="660066"/>
-                </a:solidFill>
-                <a:latin typeface="Calibri"/>
-              </a:rPr>
-              <a:t>IMPORTANT </a:t>
-            </a:r>
-            <a:r>
-              <a:rPr lang="en-US" i="1" dirty="0">
-                <a:solidFill>
-                  <a:srgbClr val="0000FF"/>
-                </a:solidFill>
-                <a:latin typeface="Calibri"/>
-              </a:rPr>
-              <a:t> , be sure to request it well in advance of due date)</a:t>
             </a:r>
           </a:p>
         </p:txBody>
@@ -3091,7 +6636,7 @@
           <a:lstStyle/>
           <a:p>
             <a:r>
-              <a:rPr lang="en-US" sz="3600" dirty="0"/>
+              <a:rPr lang="en-US" sz="3600"/>
               <a:t>Customer Satisfaction</a:t>
             </a:r>
           </a:p>
@@ -3106,7 +6651,7 @@
         <p:spPr>
           <a:xfrm>
             <a:off x="5907028" y="737310"/>
-            <a:ext cx="1840844" cy="369332"/>
+            <a:ext cx="1739772" cy="369332"/>
           </a:xfrm>
           <a:prstGeom prst="rect">
             <a:avLst/>
@@ -3120,9 +6665,56 @@
           <a:lstStyle/>
           <a:p>
             <a:r>
-              <a:rPr lang="en-US" dirty="0"/>
-              <a:t>Date:__________</a:t>
-            </a:r>
+              <a:rPr lang="en-US"/>
+              <a:t>Date: </a:t>
+            </a:r>
+            <a:r>
+              <a:rPr lang="en-US" u="sng"/>
+              <a:t>11/3/2019</a:t>
+            </a:r>
+            <a:endParaRPr lang="en-US"/>
+          </a:p>
+        </p:txBody>
+      </p:sp>
+      <p:sp>
+        <p:nvSpPr>
+          <p:cNvPr id="4" name="Footer Placeholder 3">
+            <a:extLst>
+              <a:ext uri="{FF2B5EF4-FFF2-40B4-BE49-F238E27FC236}">
+                <a16:creationId xmlns:a16="http://schemas.microsoft.com/office/drawing/2014/main" id="{9C65E5C4-521A-47A4-9D32-2984C68D825B}"/>
+              </a:ext>
+            </a:extLst>
+          </p:cNvPr>
+          <p:cNvSpPr>
+            <a:spLocks noGrp="1"/>
+          </p:cNvSpPr>
+          <p:nvPr>
+            <p:ph type="ftr" sz="quarter" idx="11"/>
+          </p:nvPr>
+        </p:nvSpPr>
+        <p:spPr/>
+        <p:txBody>
+          <a:bodyPr/>
+          <a:lstStyle/>
+          <a:p>
+            <a:endParaRPr lang="en-US">
+              <a:solidFill>
+                <a:prstClr val="black">
+                  <a:tint val="75000"/>
+                </a:prstClr>
+              </a:solidFill>
+              <a:latin typeface="Calibri"/>
+            </a:endParaRPr>
+          </a:p>
+          <a:p>
+            <a:endParaRPr lang="en-US">
+              <a:solidFill>
+                <a:prstClr val="black">
+                  <a:tint val="75000"/>
+                </a:prstClr>
+              </a:solidFill>
+              <a:latin typeface="Calibri"/>
+            </a:endParaRPr>
           </a:p>
         </p:txBody>
       </p:sp>
@@ -3740,4 +7332,299 @@
   </a:objectDefaults>
   <a:extraClrSchemeLst/>
 </a:theme>
+</file>
+
+<file path=ppt/theme/theme3.xml><?xml version="1.0" encoding="utf-8"?>
+<a:theme xmlns:a="http://schemas.openxmlformats.org/drawingml/2006/main" name="Office Theme">
+  <a:themeElements>
+    <a:clrScheme name="Office">
+      <a:dk1>
+        <a:sysClr val="windowText" lastClr="000000"/>
+      </a:dk1>
+      <a:lt1>
+        <a:sysClr val="window" lastClr="FFFFFF"/>
+      </a:lt1>
+      <a:dk2>
+        <a:srgbClr val="44546A"/>
+      </a:dk2>
+      <a:lt2>
+        <a:srgbClr val="E7E6E6"/>
+      </a:lt2>
+      <a:accent1>
+        <a:srgbClr val="4472C4"/>
+      </a:accent1>
+      <a:accent2>
+        <a:srgbClr val="ED7D31"/>
+      </a:accent2>
+      <a:accent3>
+        <a:srgbClr val="A5A5A5"/>
+      </a:accent3>
+      <a:accent4>
+        <a:srgbClr val="FFC000"/>
+      </a:accent4>
+      <a:accent5>
+        <a:srgbClr val="5B9BD5"/>
+      </a:accent5>
+      <a:accent6>
+        <a:srgbClr val="70AD47"/>
+      </a:accent6>
+      <a:hlink>
+        <a:srgbClr val="0563C1"/>
+      </a:hlink>
+      <a:folHlink>
+        <a:srgbClr val="954F72"/>
+      </a:folHlink>
+    </a:clrScheme>
+    <a:fontScheme name="Office">
+      <a:majorFont>
+        <a:latin typeface="Calibri Light" panose="020F0302020204030204"/>
+        <a:ea typeface=""/>
+        <a:cs typeface=""/>
+        <a:font script="Jpan" typeface="游ゴシック Light"/>
+        <a:font script="Hang" typeface="맑은 고딕"/>
+        <a:font script="Hans" typeface="等线 Light"/>
+        <a:font script="Hant" typeface="新細明體"/>
+        <a:font script="Arab" typeface="Times New Roman"/>
+        <a:font script="Hebr" typeface="Times New Roman"/>
+        <a:font script="Thai" typeface="Angsana New"/>
+        <a:font script="Ethi" typeface="Nyala"/>
+        <a:font script="Beng" typeface="Vrinda"/>
+        <a:font script="Gujr" typeface="Shruti"/>
+        <a:font script="Khmr" typeface="MoolBoran"/>
+        <a:font script="Knda" typeface="Tunga"/>
+        <a:font script="Guru" typeface="Raavi"/>
+        <a:font script="Cans" typeface="Euphemia"/>
+        <a:font script="Cher" typeface="Plantagenet Cherokee"/>
+        <a:font script="Yiii" typeface="Microsoft Yi Baiti"/>
+        <a:font script="Tibt" typeface="Microsoft Himalaya"/>
+        <a:font script="Thaa" typeface="MV Boli"/>
+        <a:font script="Deva" typeface="Mangal"/>
+        <a:font script="Telu" typeface="Gautami"/>
+        <a:font script="Taml" typeface="Latha"/>
+        <a:font script="Syrc" typeface="Estrangelo Edessa"/>
+        <a:font script="Orya" typeface="Kalinga"/>
+        <a:font script="Mlym" typeface="Kartika"/>
+        <a:font script="Laoo" typeface="DokChampa"/>
+        <a:font script="Sinh" typeface="Iskoola Pota"/>
+        <a:font script="Mong" typeface="Mongolian Baiti"/>
+        <a:font script="Viet" typeface="Times New Roman"/>
+        <a:font script="Uigh" typeface="Microsoft Uighur"/>
+        <a:font script="Geor" typeface="Sylfaen"/>
+        <a:font script="Armn" typeface="Arial"/>
+        <a:font script="Bugi" typeface="Leelawadee UI"/>
+        <a:font script="Bopo" typeface="Microsoft JhengHei"/>
+        <a:font script="Java" typeface="Javanese Text"/>
+        <a:font script="Lisu" typeface="Segoe UI"/>
+        <a:font script="Mymr" typeface="Myanmar Text"/>
+        <a:font script="Nkoo" typeface="Ebrima"/>
+        <a:font script="Olck" typeface="Nirmala UI"/>
+        <a:font script="Osma" typeface="Ebrima"/>
+        <a:font script="Phag" typeface="Phagspa"/>
+        <a:font script="Syrn" typeface="Estrangelo Edessa"/>
+        <a:font script="Syrj" typeface="Estrangelo Edessa"/>
+        <a:font script="Syre" typeface="Estrangelo Edessa"/>
+        <a:font script="Sora" typeface="Nirmala UI"/>
+        <a:font script="Tale" typeface="Microsoft Tai Le"/>
+        <a:font script="Talu" typeface="Microsoft New Tai Lue"/>
+        <a:font script="Tfng" typeface="Ebrima"/>
+      </a:majorFont>
+      <a:minorFont>
+        <a:latin typeface="Calibri" panose="020F0502020204030204"/>
+        <a:ea typeface=""/>
+        <a:cs typeface=""/>
+        <a:font script="Jpan" typeface="游ゴシック"/>
+        <a:font script="Hang" typeface="맑은 고딕"/>
+        <a:font script="Hans" typeface="等线"/>
+        <a:font script="Hant" typeface="新細明體"/>
+        <a:font script="Arab" typeface="Arial"/>
+        <a:font script="Hebr" typeface="Arial"/>
+        <a:font script="Thai" typeface="Cordia New"/>
+        <a:font script="Ethi" typeface="Nyala"/>
+        <a:font script="Beng" typeface="Vrinda"/>
+        <a:font script="Gujr" typeface="Shruti"/>
+        <a:font script="Khmr" typeface="DaunPenh"/>
+        <a:font script="Knda" typeface="Tunga"/>
+        <a:font script="Guru" typeface="Raavi"/>
+        <a:font script="Cans" typeface="Euphemia"/>
+        <a:font script="Cher" typeface="Plantagenet Cherokee"/>
+        <a:font script="Yiii" typeface="Microsoft Yi Baiti"/>
+        <a:font script="Tibt" typeface="Microsoft Himalaya"/>
+        <a:font script="Thaa" typeface="MV Boli"/>
+        <a:font script="Deva" typeface="Mangal"/>
+        <a:font script="Telu" typeface="Gautami"/>
+        <a:font script="Taml" typeface="Latha"/>
+        <a:font script="Syrc" typeface="Estrangelo Edessa"/>
+        <a:font script="Orya" typeface="Kalinga"/>
+        <a:font script="Mlym" typeface="Kartika"/>
+        <a:font script="Laoo" typeface="DokChampa"/>
+        <a:font script="Sinh" typeface="Iskoola Pota"/>
+        <a:font script="Mong" typeface="Mongolian Baiti"/>
+        <a:font script="Viet" typeface="Arial"/>
+        <a:font script="Uigh" typeface="Microsoft Uighur"/>
+        <a:font script="Geor" typeface="Sylfaen"/>
+        <a:font script="Armn" typeface="Arial"/>
+        <a:font script="Bugi" typeface="Leelawadee UI"/>
+        <a:font script="Bopo" typeface="Microsoft JhengHei"/>
+        <a:font script="Java" typeface="Javanese Text"/>
+        <a:font script="Lisu" typeface="Segoe UI"/>
+        <a:font script="Mymr" typeface="Myanmar Text"/>
+        <a:font script="Nkoo" typeface="Ebrima"/>
+        <a:font script="Olck" typeface="Nirmala UI"/>
+        <a:font script="Osma" typeface="Ebrima"/>
+        <a:font script="Phag" typeface="Phagspa"/>
+        <a:font script="Syrn" typeface="Estrangelo Edessa"/>
+        <a:font script="Syrj" typeface="Estrangelo Edessa"/>
+        <a:font script="Syre" typeface="Estrangelo Edessa"/>
+        <a:font script="Sora" typeface="Nirmala UI"/>
+        <a:font script="Tale" typeface="Microsoft Tai Le"/>
+        <a:font script="Talu" typeface="Microsoft New Tai Lue"/>
+        <a:font script="Tfng" typeface="Ebrima"/>
+      </a:minorFont>
+    </a:fontScheme>
+    <a:fmtScheme name="Office">
+      <a:fillStyleLst>
+        <a:solidFill>
+          <a:schemeClr val="phClr"/>
+        </a:solidFill>
+        <a:gradFill rotWithShape="1">
+          <a:gsLst>
+            <a:gs pos="0">
+              <a:schemeClr val="phClr">
+                <a:lumMod val="110000"/>
+                <a:satMod val="105000"/>
+                <a:tint val="67000"/>
+              </a:schemeClr>
+            </a:gs>
+            <a:gs pos="50000">
+              <a:schemeClr val="phClr">
+                <a:lumMod val="105000"/>
+                <a:satMod val="103000"/>
+                <a:tint val="73000"/>
+              </a:schemeClr>
+            </a:gs>
+            <a:gs pos="100000">
+              <a:schemeClr val="phClr">
+                <a:lumMod val="105000"/>
+                <a:satMod val="109000"/>
+                <a:tint val="81000"/>
+              </a:schemeClr>
+            </a:gs>
+          </a:gsLst>
+          <a:lin ang="5400000" scaled="0"/>
+        </a:gradFill>
+        <a:gradFill rotWithShape="1">
+          <a:gsLst>
+            <a:gs pos="0">
+              <a:schemeClr val="phClr">
+                <a:satMod val="103000"/>
+                <a:lumMod val="102000"/>
+                <a:tint val="94000"/>
+              </a:schemeClr>
+            </a:gs>
+            <a:gs pos="50000">
+              <a:schemeClr val="phClr">
+                <a:satMod val="110000"/>
+                <a:lumMod val="100000"/>
+                <a:shade val="100000"/>
+              </a:schemeClr>
+            </a:gs>
+            <a:gs pos="100000">
+              <a:schemeClr val="phClr">
+                <a:lumMod val="99000"/>
+                <a:satMod val="120000"/>
+                <a:shade val="78000"/>
+              </a:schemeClr>
+            </a:gs>
+          </a:gsLst>
+          <a:lin ang="5400000" scaled="0"/>
+        </a:gradFill>
+      </a:fillStyleLst>
+      <a:lnStyleLst>
+        <a:ln w="6350" cap="flat" cmpd="sng" algn="ctr">
+          <a:solidFill>
+            <a:schemeClr val="phClr"/>
+          </a:solidFill>
+          <a:prstDash val="solid"/>
+          <a:miter lim="800000"/>
+        </a:ln>
+        <a:ln w="12700" cap="flat" cmpd="sng" algn="ctr">
+          <a:solidFill>
+            <a:schemeClr val="phClr"/>
+          </a:solidFill>
+          <a:prstDash val="solid"/>
+          <a:miter lim="800000"/>
+        </a:ln>
+        <a:ln w="19050" cap="flat" cmpd="sng" algn="ctr">
+          <a:solidFill>
+            <a:schemeClr val="phClr"/>
+          </a:solidFill>
+          <a:prstDash val="solid"/>
+          <a:miter lim="800000"/>
+        </a:ln>
+      </a:lnStyleLst>
+      <a:effectStyleLst>
+        <a:effectStyle>
+          <a:effectLst/>
+        </a:effectStyle>
+        <a:effectStyle>
+          <a:effectLst/>
+        </a:effectStyle>
+        <a:effectStyle>
+          <a:effectLst>
+            <a:outerShdw blurRad="57150" dist="19050" dir="5400000" algn="ctr" rotWithShape="0">
+              <a:srgbClr val="000000">
+                <a:alpha val="63000"/>
+              </a:srgbClr>
+            </a:outerShdw>
+          </a:effectLst>
+        </a:effectStyle>
+      </a:effectStyleLst>
+      <a:bgFillStyleLst>
+        <a:solidFill>
+          <a:schemeClr val="phClr"/>
+        </a:solidFill>
+        <a:solidFill>
+          <a:schemeClr val="phClr">
+            <a:tint val="95000"/>
+            <a:satMod val="170000"/>
+          </a:schemeClr>
+        </a:solidFill>
+        <a:gradFill rotWithShape="1">
+          <a:gsLst>
+            <a:gs pos="0">
+              <a:schemeClr val="phClr">
+                <a:tint val="93000"/>
+                <a:satMod val="150000"/>
+                <a:shade val="98000"/>
+                <a:lumMod val="102000"/>
+              </a:schemeClr>
+            </a:gs>
+            <a:gs pos="50000">
+              <a:schemeClr val="phClr">
+                <a:tint val="98000"/>
+                <a:satMod val="130000"/>
+                <a:shade val="90000"/>
+                <a:lumMod val="103000"/>
+              </a:schemeClr>
+            </a:gs>
+            <a:gs pos="100000">
+              <a:schemeClr val="phClr">
+                <a:shade val="63000"/>
+                <a:satMod val="120000"/>
+              </a:schemeClr>
+            </a:gs>
+          </a:gsLst>
+          <a:lin ang="5400000" scaled="0"/>
+        </a:gradFill>
+      </a:bgFillStyleLst>
+    </a:fmtScheme>
+  </a:themeElements>
+  <a:objectDefaults/>
+  <a:extraClrSchemeLst/>
+  <a:extLst>
+    <a:ext uri="{05A4C25C-085E-4340-85A3-A5531E510DB2}">
+      <thm15:themeFamily xmlns:thm15="http://schemas.microsoft.com/office/thememl/2012/main" name="Office Theme" id="{62F939B6-93AF-4DB8-9C6B-D6C7DFDC589F}" vid="{4A3C46E8-61CC-4603-A589-7422A47A8E4A}"/>
+    </a:ext>
+  </a:extLst>
+</a:theme>
 </file>